--- a/MSSA Project Demo.pptx
+++ b/MSSA Project Demo.pptx
@@ -6,8 +6,12 @@
   </p:sldMasterIdLst>
   <p:sldIdLst>
     <p:sldId id="256" r:id="rId2"/>
-    <p:sldId id="257" r:id="rId3"/>
-    <p:sldId id="258" r:id="rId4"/>
+    <p:sldId id="259" r:id="rId3"/>
+    <p:sldId id="257" r:id="rId4"/>
+    <p:sldId id="260" r:id="rId5"/>
+    <p:sldId id="261" r:id="rId6"/>
+    <p:sldId id="258" r:id="rId7"/>
+    <p:sldId id="262" r:id="rId8"/>
   </p:sldIdLst>
   <p:sldSz cx="12192000" cy="6858000"/>
   <p:notesSz cx="6858000" cy="9144000"/>
@@ -3395,10 +3399,10 @@
       </p:sp>
       <p:sp>
         <p:nvSpPr>
-          <p:cNvPr id="6" name="Rectangle: Rounded Corners 5">
-            <a:extLst>
-              <a:ext uri="{FF2B5EF4-FFF2-40B4-BE49-F238E27FC236}">
-                <a16:creationId xmlns:a16="http://schemas.microsoft.com/office/drawing/2014/main" id="{715C9163-0CE0-4520-7723-2B117E8C4FF6}"/>
+          <p:cNvPr id="10" name="Rectangle 9">
+            <a:extLst>
+              <a:ext uri="{FF2B5EF4-FFF2-40B4-BE49-F238E27FC236}">
+                <a16:creationId xmlns:a16="http://schemas.microsoft.com/office/drawing/2014/main" id="{217526D9-B021-D59B-2821-2A3ACA60E675}"/>
               </a:ext>
             </a:extLst>
           </p:cNvPr>
@@ -3407,8 +3411,202 @@
         </p:nvSpPr>
         <p:spPr>
           <a:xfrm>
-            <a:off x="2456873" y="4913745"/>
-            <a:ext cx="1948872" cy="951346"/>
+            <a:off x="3716017" y="1477819"/>
+            <a:ext cx="4387272" cy="951347"/>
+          </a:xfrm>
+          <a:prstGeom prst="rect">
+            <a:avLst/>
+          </a:prstGeom>
+        </p:spPr>
+        <p:style>
+          <a:lnRef idx="3">
+            <a:schemeClr val="lt1"/>
+          </a:lnRef>
+          <a:fillRef idx="1">
+            <a:schemeClr val="accent2"/>
+          </a:fillRef>
+          <a:effectRef idx="1">
+            <a:schemeClr val="accent2"/>
+          </a:effectRef>
+          <a:fontRef idx="minor">
+            <a:schemeClr val="lt1"/>
+          </a:fontRef>
+        </p:style>
+        <p:txBody>
+          <a:bodyPr rtlCol="0" anchor="ctr"/>
+          <a:lstStyle/>
+          <a:p>
+            <a:pPr algn="ctr"/>
+            <a:r>
+              <a:rPr lang="en-US" dirty="0"/>
+              <a:t>A Database of Information for use by emergency first responders</a:t>
+            </a:r>
+          </a:p>
+        </p:txBody>
+      </p:sp>
+      <p:sp>
+        <p:nvSpPr>
+          <p:cNvPr id="13" name="Rectangle 12">
+            <a:extLst>
+              <a:ext uri="{FF2B5EF4-FFF2-40B4-BE49-F238E27FC236}">
+                <a16:creationId xmlns:a16="http://schemas.microsoft.com/office/drawing/2014/main" id="{C9DB946B-0EEF-E84F-D2D9-3B2B727E1016}"/>
+              </a:ext>
+            </a:extLst>
+          </p:cNvPr>
+          <p:cNvSpPr/>
+          <p:nvPr/>
+        </p:nvSpPr>
+        <p:spPr>
+          <a:xfrm>
+            <a:off x="3716017" y="2798744"/>
+            <a:ext cx="4387272" cy="951347"/>
+          </a:xfrm>
+          <a:prstGeom prst="rect">
+            <a:avLst/>
+          </a:prstGeom>
+        </p:spPr>
+        <p:style>
+          <a:lnRef idx="3">
+            <a:schemeClr val="lt1"/>
+          </a:lnRef>
+          <a:fillRef idx="1">
+            <a:schemeClr val="accent2"/>
+          </a:fillRef>
+          <a:effectRef idx="1">
+            <a:schemeClr val="accent2"/>
+          </a:effectRef>
+          <a:fontRef idx="minor">
+            <a:schemeClr val="lt1"/>
+          </a:fontRef>
+        </p:style>
+        <p:txBody>
+          <a:bodyPr rtlCol="0" anchor="ctr"/>
+          <a:lstStyle/>
+          <a:p>
+            <a:pPr algn="ctr"/>
+            <a:r>
+              <a:rPr lang="en-US" dirty="0"/>
+              <a:t>Login</a:t>
+            </a:r>
+          </a:p>
+          <a:p>
+            <a:r>
+              <a:rPr lang="en-US" dirty="0"/>
+              <a:t>User Name:     </a:t>
+            </a:r>
+          </a:p>
+          <a:p>
+            <a:r>
+              <a:rPr lang="en-US" dirty="0"/>
+              <a:t>Password:</a:t>
+            </a:r>
+          </a:p>
+        </p:txBody>
+      </p:sp>
+      <p:sp>
+        <p:nvSpPr>
+          <p:cNvPr id="14" name="Rectangle 13">
+            <a:extLst>
+              <a:ext uri="{FF2B5EF4-FFF2-40B4-BE49-F238E27FC236}">
+                <a16:creationId xmlns:a16="http://schemas.microsoft.com/office/drawing/2014/main" id="{17CB35BC-BB98-B18D-9C8B-58C34DAB06E1}"/>
+              </a:ext>
+            </a:extLst>
+          </p:cNvPr>
+          <p:cNvSpPr/>
+          <p:nvPr/>
+        </p:nvSpPr>
+        <p:spPr>
+          <a:xfrm>
+            <a:off x="5153892" y="3153189"/>
+            <a:ext cx="2726238" cy="242455"/>
+          </a:xfrm>
+          <a:prstGeom prst="rect">
+            <a:avLst/>
+          </a:prstGeom>
+        </p:spPr>
+        <p:style>
+          <a:lnRef idx="2">
+            <a:schemeClr val="dk1"/>
+          </a:lnRef>
+          <a:fillRef idx="1">
+            <a:schemeClr val="lt1"/>
+          </a:fillRef>
+          <a:effectRef idx="0">
+            <a:schemeClr val="dk1"/>
+          </a:effectRef>
+          <a:fontRef idx="minor">
+            <a:schemeClr val="dk1"/>
+          </a:fontRef>
+        </p:style>
+        <p:txBody>
+          <a:bodyPr rtlCol="0" anchor="ctr"/>
+          <a:lstStyle/>
+          <a:p>
+            <a:pPr algn="ctr"/>
+            <a:endParaRPr lang="en-US"/>
+          </a:p>
+        </p:txBody>
+      </p:sp>
+      <p:sp>
+        <p:nvSpPr>
+          <p:cNvPr id="15" name="Rectangle 14">
+            <a:extLst>
+              <a:ext uri="{FF2B5EF4-FFF2-40B4-BE49-F238E27FC236}">
+                <a16:creationId xmlns:a16="http://schemas.microsoft.com/office/drawing/2014/main" id="{946F3A47-8684-6715-8F66-743C8BF5E2C3}"/>
+              </a:ext>
+            </a:extLst>
+          </p:cNvPr>
+          <p:cNvSpPr/>
+          <p:nvPr/>
+        </p:nvSpPr>
+        <p:spPr>
+          <a:xfrm>
+            <a:off x="5153893" y="3451640"/>
+            <a:ext cx="2726237" cy="242455"/>
+          </a:xfrm>
+          <a:prstGeom prst="rect">
+            <a:avLst/>
+          </a:prstGeom>
+        </p:spPr>
+        <p:style>
+          <a:lnRef idx="2">
+            <a:schemeClr val="dk1"/>
+          </a:lnRef>
+          <a:fillRef idx="1">
+            <a:schemeClr val="lt1"/>
+          </a:fillRef>
+          <a:effectRef idx="0">
+            <a:schemeClr val="dk1"/>
+          </a:effectRef>
+          <a:fontRef idx="minor">
+            <a:schemeClr val="dk1"/>
+          </a:fontRef>
+        </p:style>
+        <p:txBody>
+          <a:bodyPr rtlCol="0" anchor="ctr"/>
+          <a:lstStyle/>
+          <a:p>
+            <a:pPr algn="ctr"/>
+            <a:endParaRPr lang="en-US"/>
+          </a:p>
+        </p:txBody>
+      </p:sp>
+      <p:sp>
+        <p:nvSpPr>
+          <p:cNvPr id="16" name="Rectangle: Rounded Corners 15">
+            <a:extLst>
+              <a:ext uri="{FF2B5EF4-FFF2-40B4-BE49-F238E27FC236}">
+                <a16:creationId xmlns:a16="http://schemas.microsoft.com/office/drawing/2014/main" id="{AEDD226C-6207-EFFD-5FB1-68CE26376A6F}"/>
+              </a:ext>
+            </a:extLst>
+          </p:cNvPr>
+          <p:cNvSpPr/>
+          <p:nvPr/>
+        </p:nvSpPr>
+        <p:spPr>
+          <a:xfrm>
+            <a:off x="5082998" y="4003963"/>
+            <a:ext cx="1653309" cy="378691"/>
           </a:xfrm>
           <a:prstGeom prst="roundRect">
             <a:avLst/>
@@ -3437,66 +3635,17 @@
             <a:pPr algn="ctr"/>
             <a:r>
               <a:rPr lang="en-US" dirty="0"/>
-              <a:t>Capture Resident Information</a:t>
-            </a:r>
-          </a:p>
-        </p:txBody>
-      </p:sp>
-      <p:sp>
-        <p:nvSpPr>
-          <p:cNvPr id="7" name="Rectangle: Rounded Corners 6">
-            <a:extLst>
-              <a:ext uri="{FF2B5EF4-FFF2-40B4-BE49-F238E27FC236}">
-                <a16:creationId xmlns:a16="http://schemas.microsoft.com/office/drawing/2014/main" id="{D69EA9C5-79FD-5FF1-B22D-6526D54EFFE0}"/>
-              </a:ext>
-            </a:extLst>
-          </p:cNvPr>
-          <p:cNvSpPr/>
-          <p:nvPr/>
-        </p:nvSpPr>
-        <p:spPr>
-          <a:xfrm>
-            <a:off x="7292110" y="4913745"/>
-            <a:ext cx="1948872" cy="951346"/>
-          </a:xfrm>
-          <a:prstGeom prst="roundRect">
-            <a:avLst/>
-          </a:prstGeom>
-        </p:spPr>
-        <p:style>
-          <a:lnRef idx="2">
-            <a:schemeClr val="accent1">
-              <a:shade val="15000"/>
-            </a:schemeClr>
-          </a:lnRef>
-          <a:fillRef idx="1">
-            <a:schemeClr val="accent1"/>
-          </a:fillRef>
-          <a:effectRef idx="0">
-            <a:schemeClr val="accent1"/>
-          </a:effectRef>
-          <a:fontRef idx="minor">
-            <a:schemeClr val="lt1"/>
-          </a:fontRef>
-        </p:style>
-        <p:txBody>
-          <a:bodyPr rtlCol="0" anchor="ctr"/>
-          <a:lstStyle/>
-          <a:p>
-            <a:pPr algn="ctr"/>
-            <a:r>
-              <a:rPr lang="en-US" dirty="0"/>
-              <a:t>Find Resident Information</a:t>
-            </a:r>
-          </a:p>
-        </p:txBody>
-      </p:sp>
-      <p:sp>
-        <p:nvSpPr>
-          <p:cNvPr id="8" name="TextBox 7">
-            <a:extLst>
-              <a:ext uri="{FF2B5EF4-FFF2-40B4-BE49-F238E27FC236}">
-                <a16:creationId xmlns:a16="http://schemas.microsoft.com/office/drawing/2014/main" id="{1F210B88-F21A-D113-9990-272FC461DA3A}"/>
+              <a:t>Login</a:t>
+            </a:r>
+          </a:p>
+        </p:txBody>
+      </p:sp>
+      <p:sp>
+        <p:nvSpPr>
+          <p:cNvPr id="17" name="TextBox 16">
+            <a:extLst>
+              <a:ext uri="{FF2B5EF4-FFF2-40B4-BE49-F238E27FC236}">
+                <a16:creationId xmlns:a16="http://schemas.microsoft.com/office/drawing/2014/main" id="{C5BE347E-E6AD-BD7D-338A-CA27DC518E73}"/>
               </a:ext>
             </a:extLst>
           </p:cNvPr>
@@ -3505,8 +3654,8 @@
         </p:nvSpPr>
         <p:spPr>
           <a:xfrm>
-            <a:off x="2628017" y="5934425"/>
-            <a:ext cx="1754711" cy="369332"/>
+            <a:off x="5094012" y="4451860"/>
+            <a:ext cx="1631280" cy="369332"/>
           </a:xfrm>
           <a:prstGeom prst="rect">
             <a:avLst/>
@@ -3525,93 +3674,7 @@
                   <a:srgbClr val="FF0000"/>
                 </a:solidFill>
               </a:rPr>
-              <a:t>Go to Screen 2a</a:t>
-            </a:r>
-          </a:p>
-        </p:txBody>
-      </p:sp>
-      <p:sp>
-        <p:nvSpPr>
-          <p:cNvPr id="9" name="TextBox 8">
-            <a:extLst>
-              <a:ext uri="{FF2B5EF4-FFF2-40B4-BE49-F238E27FC236}">
-                <a16:creationId xmlns:a16="http://schemas.microsoft.com/office/drawing/2014/main" id="{FC0B9FAA-F7E5-B53E-C161-CECE5DC322EC}"/>
-              </a:ext>
-            </a:extLst>
-          </p:cNvPr>
-          <p:cNvSpPr txBox="1"/>
-          <p:nvPr/>
-        </p:nvSpPr>
-        <p:spPr>
-          <a:xfrm>
-            <a:off x="7449399" y="5934425"/>
-            <a:ext cx="1761123" cy="369332"/>
-          </a:xfrm>
-          <a:prstGeom prst="rect">
-            <a:avLst/>
-          </a:prstGeom>
-          <a:noFill/>
-        </p:spPr>
-        <p:txBody>
-          <a:bodyPr wrap="none" rtlCol="0">
-            <a:spAutoFit/>
-          </a:bodyPr>
-          <a:lstStyle/>
-          <a:p>
-            <a:r>
-              <a:rPr lang="en-US" i="1" dirty="0">
-                <a:solidFill>
-                  <a:srgbClr val="FF0000"/>
-                </a:solidFill>
-              </a:rPr>
-              <a:t>Go to Screen 2b</a:t>
-            </a:r>
-          </a:p>
-        </p:txBody>
-      </p:sp>
-      <p:sp>
-        <p:nvSpPr>
-          <p:cNvPr id="10" name="Rectangle 9">
-            <a:extLst>
-              <a:ext uri="{FF2B5EF4-FFF2-40B4-BE49-F238E27FC236}">
-                <a16:creationId xmlns:a16="http://schemas.microsoft.com/office/drawing/2014/main" id="{217526D9-B021-D59B-2821-2A3ACA60E675}"/>
-              </a:ext>
-            </a:extLst>
-          </p:cNvPr>
-          <p:cNvSpPr/>
-          <p:nvPr/>
-        </p:nvSpPr>
-        <p:spPr>
-          <a:xfrm>
-            <a:off x="3902364" y="1468582"/>
-            <a:ext cx="4387272" cy="2521527"/>
-          </a:xfrm>
-          <a:prstGeom prst="rect">
-            <a:avLst/>
-          </a:prstGeom>
-        </p:spPr>
-        <p:style>
-          <a:lnRef idx="3">
-            <a:schemeClr val="lt1"/>
-          </a:lnRef>
-          <a:fillRef idx="1">
-            <a:schemeClr val="accent2"/>
-          </a:fillRef>
-          <a:effectRef idx="1">
-            <a:schemeClr val="accent2"/>
-          </a:effectRef>
-          <a:fontRef idx="minor">
-            <a:schemeClr val="lt1"/>
-          </a:fontRef>
-        </p:style>
-        <p:txBody>
-          <a:bodyPr rtlCol="0" anchor="ctr"/>
-          <a:lstStyle/>
-          <a:p>
-            <a:pPr algn="ctr"/>
-            <a:r>
-              <a:rPr lang="en-US" dirty="0"/>
-              <a:t>A Database of Information for use by emergency first responders</a:t>
+              <a:t>Go to Screen 2</a:t>
             </a:r>
           </a:p>
         </p:txBody>
@@ -3648,10 +3711,108 @@
       </p:grpSpPr>
       <p:sp>
         <p:nvSpPr>
-          <p:cNvPr id="2" name="TextBox 1">
-            <a:extLst>
-              <a:ext uri="{FF2B5EF4-FFF2-40B4-BE49-F238E27FC236}">
-                <a16:creationId xmlns:a16="http://schemas.microsoft.com/office/drawing/2014/main" id="{EDBA322E-5A72-552B-24A2-467E9FBB20CF}"/>
+          <p:cNvPr id="6" name="Rectangle: Rounded Corners 5">
+            <a:extLst>
+              <a:ext uri="{FF2B5EF4-FFF2-40B4-BE49-F238E27FC236}">
+                <a16:creationId xmlns:a16="http://schemas.microsoft.com/office/drawing/2014/main" id="{715C9163-0CE0-4520-7723-2B117E8C4FF6}"/>
+              </a:ext>
+            </a:extLst>
+          </p:cNvPr>
+          <p:cNvSpPr/>
+          <p:nvPr/>
+        </p:nvSpPr>
+        <p:spPr>
+          <a:xfrm>
+            <a:off x="2456873" y="2687781"/>
+            <a:ext cx="1948872" cy="951346"/>
+          </a:xfrm>
+          <a:prstGeom prst="roundRect">
+            <a:avLst/>
+          </a:prstGeom>
+        </p:spPr>
+        <p:style>
+          <a:lnRef idx="2">
+            <a:schemeClr val="accent1">
+              <a:shade val="15000"/>
+            </a:schemeClr>
+          </a:lnRef>
+          <a:fillRef idx="1">
+            <a:schemeClr val="accent1"/>
+          </a:fillRef>
+          <a:effectRef idx="0">
+            <a:schemeClr val="accent1"/>
+          </a:effectRef>
+          <a:fontRef idx="minor">
+            <a:schemeClr val="lt1"/>
+          </a:fontRef>
+        </p:style>
+        <p:txBody>
+          <a:bodyPr rtlCol="0" anchor="ctr"/>
+          <a:lstStyle/>
+          <a:p>
+            <a:pPr algn="ctr"/>
+            <a:r>
+              <a:rPr lang="en-US" dirty="0"/>
+              <a:t>Add Residence Information</a:t>
+            </a:r>
+          </a:p>
+        </p:txBody>
+      </p:sp>
+      <p:sp>
+        <p:nvSpPr>
+          <p:cNvPr id="7" name="Rectangle: Rounded Corners 6">
+            <a:extLst>
+              <a:ext uri="{FF2B5EF4-FFF2-40B4-BE49-F238E27FC236}">
+                <a16:creationId xmlns:a16="http://schemas.microsoft.com/office/drawing/2014/main" id="{D69EA9C5-79FD-5FF1-B22D-6526D54EFFE0}"/>
+              </a:ext>
+            </a:extLst>
+          </p:cNvPr>
+          <p:cNvSpPr/>
+          <p:nvPr/>
+        </p:nvSpPr>
+        <p:spPr>
+          <a:xfrm>
+            <a:off x="5121564" y="2687781"/>
+            <a:ext cx="1948872" cy="951346"/>
+          </a:xfrm>
+          <a:prstGeom prst="roundRect">
+            <a:avLst/>
+          </a:prstGeom>
+        </p:spPr>
+        <p:style>
+          <a:lnRef idx="2">
+            <a:schemeClr val="accent1">
+              <a:shade val="15000"/>
+            </a:schemeClr>
+          </a:lnRef>
+          <a:fillRef idx="1">
+            <a:schemeClr val="accent1"/>
+          </a:fillRef>
+          <a:effectRef idx="0">
+            <a:schemeClr val="accent1"/>
+          </a:effectRef>
+          <a:fontRef idx="minor">
+            <a:schemeClr val="lt1"/>
+          </a:fontRef>
+        </p:style>
+        <p:txBody>
+          <a:bodyPr rtlCol="0" anchor="ctr"/>
+          <a:lstStyle/>
+          <a:p>
+            <a:pPr algn="ctr"/>
+            <a:r>
+              <a:rPr lang="en-US" dirty="0"/>
+              <a:t>Find Residence Information</a:t>
+            </a:r>
+          </a:p>
+        </p:txBody>
+      </p:sp>
+      <p:sp>
+        <p:nvSpPr>
+          <p:cNvPr id="8" name="TextBox 7">
+            <a:extLst>
+              <a:ext uri="{FF2B5EF4-FFF2-40B4-BE49-F238E27FC236}">
+                <a16:creationId xmlns:a16="http://schemas.microsoft.com/office/drawing/2014/main" id="{1F210B88-F21A-D113-9990-272FC461DA3A}"/>
               </a:ext>
             </a:extLst>
           </p:cNvPr>
@@ -3660,8 +3821,8 @@
         </p:nvSpPr>
         <p:spPr>
           <a:xfrm>
-            <a:off x="0" y="0"/>
-            <a:ext cx="1173783" cy="369332"/>
+            <a:off x="2628017" y="3708461"/>
+            <a:ext cx="1754711" cy="369332"/>
           </a:xfrm>
           <a:prstGeom prst="rect">
             <a:avLst/>
@@ -3675,8 +3836,209 @@
           <a:lstStyle/>
           <a:p>
             <a:r>
+              <a:rPr lang="en-US" i="1" dirty="0">
+                <a:solidFill>
+                  <a:srgbClr val="FF0000"/>
+                </a:solidFill>
+              </a:rPr>
+              <a:t>Go to Screen 3a</a:t>
+            </a:r>
+          </a:p>
+        </p:txBody>
+      </p:sp>
+      <p:sp>
+        <p:nvSpPr>
+          <p:cNvPr id="9" name="TextBox 8">
+            <a:extLst>
+              <a:ext uri="{FF2B5EF4-FFF2-40B4-BE49-F238E27FC236}">
+                <a16:creationId xmlns:a16="http://schemas.microsoft.com/office/drawing/2014/main" id="{FC0B9FAA-F7E5-B53E-C161-CECE5DC322EC}"/>
+              </a:ext>
+            </a:extLst>
+          </p:cNvPr>
+          <p:cNvSpPr txBox="1"/>
+          <p:nvPr/>
+        </p:nvSpPr>
+        <p:spPr>
+          <a:xfrm>
+            <a:off x="5215438" y="3708461"/>
+            <a:ext cx="1761123" cy="369332"/>
+          </a:xfrm>
+          <a:prstGeom prst="rect">
+            <a:avLst/>
+          </a:prstGeom>
+          <a:noFill/>
+        </p:spPr>
+        <p:txBody>
+          <a:bodyPr wrap="none" rtlCol="0">
+            <a:spAutoFit/>
+          </a:bodyPr>
+          <a:lstStyle/>
+          <a:p>
+            <a:r>
+              <a:rPr lang="en-US" i="1" dirty="0">
+                <a:solidFill>
+                  <a:srgbClr val="FF0000"/>
+                </a:solidFill>
+              </a:rPr>
+              <a:t>Go to Screen 3b</a:t>
+            </a:r>
+          </a:p>
+        </p:txBody>
+      </p:sp>
+      <p:sp>
+        <p:nvSpPr>
+          <p:cNvPr id="11" name="Rectangle: Rounded Corners 10">
+            <a:extLst>
+              <a:ext uri="{FF2B5EF4-FFF2-40B4-BE49-F238E27FC236}">
+                <a16:creationId xmlns:a16="http://schemas.microsoft.com/office/drawing/2014/main" id="{E8E233D2-F8B3-42A7-6BC2-D611E8DBE87F}"/>
+              </a:ext>
+            </a:extLst>
+          </p:cNvPr>
+          <p:cNvSpPr/>
+          <p:nvPr/>
+        </p:nvSpPr>
+        <p:spPr>
+          <a:xfrm>
+            <a:off x="7786255" y="2678544"/>
+            <a:ext cx="1948872" cy="951346"/>
+          </a:xfrm>
+          <a:prstGeom prst="roundRect">
+            <a:avLst/>
+          </a:prstGeom>
+        </p:spPr>
+        <p:style>
+          <a:lnRef idx="2">
+            <a:schemeClr val="accent1">
+              <a:shade val="15000"/>
+            </a:schemeClr>
+          </a:lnRef>
+          <a:fillRef idx="1">
+            <a:schemeClr val="accent1"/>
+          </a:fillRef>
+          <a:effectRef idx="0">
+            <a:schemeClr val="accent1"/>
+          </a:effectRef>
+          <a:fontRef idx="minor">
+            <a:schemeClr val="lt1"/>
+          </a:fontRef>
+        </p:style>
+        <p:txBody>
+          <a:bodyPr rtlCol="0" anchor="ctr"/>
+          <a:lstStyle/>
+          <a:p>
+            <a:pPr algn="ctr"/>
+            <a:r>
               <a:rPr lang="en-US" dirty="0"/>
-              <a:t>Screen 2a</a:t>
+              <a:t>Update Residence Information</a:t>
+            </a:r>
+          </a:p>
+        </p:txBody>
+      </p:sp>
+      <p:sp>
+        <p:nvSpPr>
+          <p:cNvPr id="12" name="TextBox 11">
+            <a:extLst>
+              <a:ext uri="{FF2B5EF4-FFF2-40B4-BE49-F238E27FC236}">
+                <a16:creationId xmlns:a16="http://schemas.microsoft.com/office/drawing/2014/main" id="{E82F6CD8-C718-25BD-980D-E0038EB674F9}"/>
+              </a:ext>
+            </a:extLst>
+          </p:cNvPr>
+          <p:cNvSpPr txBox="1"/>
+          <p:nvPr/>
+        </p:nvSpPr>
+        <p:spPr>
+          <a:xfrm>
+            <a:off x="7880129" y="3708461"/>
+            <a:ext cx="1753109" cy="369332"/>
+          </a:xfrm>
+          <a:prstGeom prst="rect">
+            <a:avLst/>
+          </a:prstGeom>
+          <a:noFill/>
+        </p:spPr>
+        <p:txBody>
+          <a:bodyPr wrap="none" rtlCol="0">
+            <a:spAutoFit/>
+          </a:bodyPr>
+          <a:lstStyle/>
+          <a:p>
+            <a:r>
+              <a:rPr lang="en-US" i="1" dirty="0">
+                <a:solidFill>
+                  <a:srgbClr val="FF0000"/>
+                </a:solidFill>
+              </a:rPr>
+              <a:t>Go to Screen 3c</a:t>
+            </a:r>
+          </a:p>
+        </p:txBody>
+      </p:sp>
+      <p:sp>
+        <p:nvSpPr>
+          <p:cNvPr id="2" name="TextBox 1">
+            <a:extLst>
+              <a:ext uri="{FF2B5EF4-FFF2-40B4-BE49-F238E27FC236}">
+                <a16:creationId xmlns:a16="http://schemas.microsoft.com/office/drawing/2014/main" id="{29C53BB5-80D8-6A97-CDEC-322AE830117A}"/>
+              </a:ext>
+            </a:extLst>
+          </p:cNvPr>
+          <p:cNvSpPr txBox="1"/>
+          <p:nvPr/>
+        </p:nvSpPr>
+        <p:spPr>
+          <a:xfrm>
+            <a:off x="4935713" y="1985818"/>
+            <a:ext cx="2320572" cy="369332"/>
+          </a:xfrm>
+          <a:prstGeom prst="rect">
+            <a:avLst/>
+          </a:prstGeom>
+          <a:noFill/>
+        </p:spPr>
+        <p:txBody>
+          <a:bodyPr wrap="none" rtlCol="0">
+            <a:spAutoFit/>
+          </a:bodyPr>
+          <a:lstStyle/>
+          <a:p>
+            <a:r>
+              <a:rPr lang="en-US" dirty="0"/>
+              <a:t>Choose an operation:</a:t>
+            </a:r>
+          </a:p>
+        </p:txBody>
+      </p:sp>
+      <p:sp>
+        <p:nvSpPr>
+          <p:cNvPr id="3" name="TextBox 2">
+            <a:extLst>
+              <a:ext uri="{FF2B5EF4-FFF2-40B4-BE49-F238E27FC236}">
+                <a16:creationId xmlns:a16="http://schemas.microsoft.com/office/drawing/2014/main" id="{E4022CD3-51EF-7106-8719-F6E83E4CBAC9}"/>
+              </a:ext>
+            </a:extLst>
+          </p:cNvPr>
+          <p:cNvSpPr txBox="1"/>
+          <p:nvPr/>
+        </p:nvSpPr>
+        <p:spPr>
+          <a:xfrm>
+            <a:off x="0" y="0"/>
+            <a:ext cx="1050352" cy="369332"/>
+          </a:xfrm>
+          <a:prstGeom prst="rect">
+            <a:avLst/>
+          </a:prstGeom>
+          <a:noFill/>
+        </p:spPr>
+        <p:txBody>
+          <a:bodyPr wrap="none" rtlCol="0">
+            <a:spAutoFit/>
+          </a:bodyPr>
+          <a:lstStyle/>
+          <a:p>
+            <a:r>
+              <a:rPr lang="en-US" dirty="0"/>
+              <a:t>Screen 2</a:t>
             </a:r>
           </a:p>
         </p:txBody>
@@ -3684,7 +4046,7 @@
     </p:spTree>
     <p:extLst>
       <p:ext uri="{BB962C8B-B14F-4D97-AF65-F5344CB8AC3E}">
-        <p14:creationId xmlns:p14="http://schemas.microsoft.com/office/powerpoint/2010/main" val="2323598246"/>
+        <p14:creationId xmlns:p14="http://schemas.microsoft.com/office/powerpoint/2010/main" val="2337533515"/>
       </p:ext>
     </p:extLst>
   </p:cSld>
@@ -3741,7 +4103,2789 @@
           <a:p>
             <a:r>
               <a:rPr lang="en-US" dirty="0"/>
-              <a:t>Screen 2b</a:t>
+              <a:t>Screen 3b</a:t>
+            </a:r>
+          </a:p>
+        </p:txBody>
+      </p:sp>
+      <p:sp>
+        <p:nvSpPr>
+          <p:cNvPr id="3" name="TextBox 2">
+            <a:extLst>
+              <a:ext uri="{FF2B5EF4-FFF2-40B4-BE49-F238E27FC236}">
+                <a16:creationId xmlns:a16="http://schemas.microsoft.com/office/drawing/2014/main" id="{C060BE1A-15BA-AF33-01D5-DE114B446840}"/>
+              </a:ext>
+            </a:extLst>
+          </p:cNvPr>
+          <p:cNvSpPr txBox="1"/>
+          <p:nvPr/>
+        </p:nvSpPr>
+        <p:spPr>
+          <a:xfrm>
+            <a:off x="5008330" y="618837"/>
+            <a:ext cx="2175339" cy="369332"/>
+          </a:xfrm>
+          <a:prstGeom prst="rect">
+            <a:avLst/>
+          </a:prstGeom>
+        </p:spPr>
+        <p:style>
+          <a:lnRef idx="2">
+            <a:schemeClr val="accent1"/>
+          </a:lnRef>
+          <a:fillRef idx="1">
+            <a:schemeClr val="lt1"/>
+          </a:fillRef>
+          <a:effectRef idx="0">
+            <a:schemeClr val="accent1"/>
+          </a:effectRef>
+          <a:fontRef idx="minor">
+            <a:schemeClr val="dk1"/>
+          </a:fontRef>
+        </p:style>
+        <p:txBody>
+          <a:bodyPr wrap="none" rtlCol="0">
+            <a:spAutoFit/>
+          </a:bodyPr>
+          <a:lstStyle/>
+          <a:p>
+            <a:r>
+              <a:rPr lang="en-US" dirty="0"/>
+              <a:t>Add New Residence</a:t>
+            </a:r>
+          </a:p>
+        </p:txBody>
+      </p:sp>
+      <p:sp>
+        <p:nvSpPr>
+          <p:cNvPr id="4" name="TextBox 3">
+            <a:extLst>
+              <a:ext uri="{FF2B5EF4-FFF2-40B4-BE49-F238E27FC236}">
+                <a16:creationId xmlns:a16="http://schemas.microsoft.com/office/drawing/2014/main" id="{ADC3BBEC-2FC4-06C4-B0E0-6B6BCB418C3F}"/>
+              </a:ext>
+            </a:extLst>
+          </p:cNvPr>
+          <p:cNvSpPr txBox="1"/>
+          <p:nvPr/>
+        </p:nvSpPr>
+        <p:spPr>
+          <a:xfrm>
+            <a:off x="461818" y="1431636"/>
+            <a:ext cx="1712392" cy="2585323"/>
+          </a:xfrm>
+          <a:prstGeom prst="rect">
+            <a:avLst/>
+          </a:prstGeom>
+          <a:noFill/>
+        </p:spPr>
+        <p:txBody>
+          <a:bodyPr wrap="none" rtlCol="0">
+            <a:spAutoFit/>
+          </a:bodyPr>
+          <a:lstStyle/>
+          <a:p>
+            <a:pPr algn="r"/>
+            <a:r>
+              <a:rPr lang="en-US" dirty="0"/>
+              <a:t>Street Number:</a:t>
+            </a:r>
+          </a:p>
+          <a:p>
+            <a:pPr algn="r"/>
+            <a:endParaRPr lang="en-US" dirty="0"/>
+          </a:p>
+          <a:p>
+            <a:pPr algn="r"/>
+            <a:r>
+              <a:rPr lang="en-US" dirty="0"/>
+              <a:t>Street Name:</a:t>
+            </a:r>
+          </a:p>
+          <a:p>
+            <a:pPr algn="r"/>
+            <a:endParaRPr lang="en-US" dirty="0"/>
+          </a:p>
+          <a:p>
+            <a:pPr algn="r"/>
+            <a:r>
+              <a:rPr lang="en-US" dirty="0"/>
+              <a:t>City:</a:t>
+            </a:r>
+          </a:p>
+          <a:p>
+            <a:pPr algn="r"/>
+            <a:endParaRPr lang="en-US" dirty="0"/>
+          </a:p>
+          <a:p>
+            <a:pPr algn="r"/>
+            <a:r>
+              <a:rPr lang="en-US" dirty="0"/>
+              <a:t>State:</a:t>
+            </a:r>
+          </a:p>
+          <a:p>
+            <a:pPr algn="r"/>
+            <a:endParaRPr lang="en-US" dirty="0"/>
+          </a:p>
+          <a:p>
+            <a:pPr algn="r"/>
+            <a:r>
+              <a:rPr lang="en-US" dirty="0"/>
+              <a:t>Zip:</a:t>
+            </a:r>
+          </a:p>
+        </p:txBody>
+      </p:sp>
+      <p:sp>
+        <p:nvSpPr>
+          <p:cNvPr id="5" name="Rectangle 4">
+            <a:extLst>
+              <a:ext uri="{FF2B5EF4-FFF2-40B4-BE49-F238E27FC236}">
+                <a16:creationId xmlns:a16="http://schemas.microsoft.com/office/drawing/2014/main" id="{17F6B1D7-5A9D-1FD0-0FB8-2ABC9869C1D9}"/>
+              </a:ext>
+            </a:extLst>
+          </p:cNvPr>
+          <p:cNvSpPr/>
+          <p:nvPr/>
+        </p:nvSpPr>
+        <p:spPr>
+          <a:xfrm>
+            <a:off x="2299855" y="1431636"/>
+            <a:ext cx="2964873" cy="295564"/>
+          </a:xfrm>
+          <a:prstGeom prst="rect">
+            <a:avLst/>
+          </a:prstGeom>
+        </p:spPr>
+        <p:style>
+          <a:lnRef idx="2">
+            <a:schemeClr val="accent1"/>
+          </a:lnRef>
+          <a:fillRef idx="1">
+            <a:schemeClr val="lt1"/>
+          </a:fillRef>
+          <a:effectRef idx="0">
+            <a:schemeClr val="accent1"/>
+          </a:effectRef>
+          <a:fontRef idx="minor">
+            <a:schemeClr val="dk1"/>
+          </a:fontRef>
+        </p:style>
+        <p:txBody>
+          <a:bodyPr rtlCol="0" anchor="ctr"/>
+          <a:lstStyle/>
+          <a:p>
+            <a:pPr algn="ctr"/>
+            <a:endParaRPr lang="en-US"/>
+          </a:p>
+        </p:txBody>
+      </p:sp>
+      <p:sp>
+        <p:nvSpPr>
+          <p:cNvPr id="6" name="Rectangle 5">
+            <a:extLst>
+              <a:ext uri="{FF2B5EF4-FFF2-40B4-BE49-F238E27FC236}">
+                <a16:creationId xmlns:a16="http://schemas.microsoft.com/office/drawing/2014/main" id="{C3C32A2E-B640-F245-B280-45A9FDC932A1}"/>
+              </a:ext>
+            </a:extLst>
+          </p:cNvPr>
+          <p:cNvSpPr/>
+          <p:nvPr/>
+        </p:nvSpPr>
+        <p:spPr>
+          <a:xfrm>
+            <a:off x="2299849" y="2022885"/>
+            <a:ext cx="2964873" cy="295564"/>
+          </a:xfrm>
+          <a:prstGeom prst="rect">
+            <a:avLst/>
+          </a:prstGeom>
+        </p:spPr>
+        <p:style>
+          <a:lnRef idx="2">
+            <a:schemeClr val="accent1"/>
+          </a:lnRef>
+          <a:fillRef idx="1">
+            <a:schemeClr val="lt1"/>
+          </a:fillRef>
+          <a:effectRef idx="0">
+            <a:schemeClr val="accent1"/>
+          </a:effectRef>
+          <a:fontRef idx="minor">
+            <a:schemeClr val="dk1"/>
+          </a:fontRef>
+        </p:style>
+        <p:txBody>
+          <a:bodyPr rtlCol="0" anchor="ctr"/>
+          <a:lstStyle/>
+          <a:p>
+            <a:pPr algn="ctr"/>
+            <a:endParaRPr lang="en-US"/>
+          </a:p>
+        </p:txBody>
+      </p:sp>
+      <p:sp>
+        <p:nvSpPr>
+          <p:cNvPr id="7" name="Rectangle 6">
+            <a:extLst>
+              <a:ext uri="{FF2B5EF4-FFF2-40B4-BE49-F238E27FC236}">
+                <a16:creationId xmlns:a16="http://schemas.microsoft.com/office/drawing/2014/main" id="{F9AB762C-53E6-5949-CCB6-1750786DC387}"/>
+              </a:ext>
+            </a:extLst>
+          </p:cNvPr>
+          <p:cNvSpPr/>
+          <p:nvPr/>
+        </p:nvSpPr>
+        <p:spPr>
+          <a:xfrm>
+            <a:off x="2299850" y="2576515"/>
+            <a:ext cx="2964873" cy="295564"/>
+          </a:xfrm>
+          <a:prstGeom prst="rect">
+            <a:avLst/>
+          </a:prstGeom>
+        </p:spPr>
+        <p:style>
+          <a:lnRef idx="2">
+            <a:schemeClr val="accent1"/>
+          </a:lnRef>
+          <a:fillRef idx="1">
+            <a:schemeClr val="lt1"/>
+          </a:fillRef>
+          <a:effectRef idx="0">
+            <a:schemeClr val="accent1"/>
+          </a:effectRef>
+          <a:fontRef idx="minor">
+            <a:schemeClr val="dk1"/>
+          </a:fontRef>
+        </p:style>
+        <p:txBody>
+          <a:bodyPr rtlCol="0" anchor="ctr"/>
+          <a:lstStyle/>
+          <a:p>
+            <a:pPr algn="ctr"/>
+            <a:endParaRPr lang="en-US"/>
+          </a:p>
+        </p:txBody>
+      </p:sp>
+      <p:sp>
+        <p:nvSpPr>
+          <p:cNvPr id="8" name="Rectangle 7">
+            <a:extLst>
+              <a:ext uri="{FF2B5EF4-FFF2-40B4-BE49-F238E27FC236}">
+                <a16:creationId xmlns:a16="http://schemas.microsoft.com/office/drawing/2014/main" id="{E1848F8E-5B95-2920-4A0A-7F794431FB3E}"/>
+              </a:ext>
+            </a:extLst>
+          </p:cNvPr>
+          <p:cNvSpPr/>
+          <p:nvPr/>
+        </p:nvSpPr>
+        <p:spPr>
+          <a:xfrm>
+            <a:off x="2299851" y="3133436"/>
+            <a:ext cx="2964873" cy="295564"/>
+          </a:xfrm>
+          <a:prstGeom prst="rect">
+            <a:avLst/>
+          </a:prstGeom>
+        </p:spPr>
+        <p:style>
+          <a:lnRef idx="2">
+            <a:schemeClr val="accent1"/>
+          </a:lnRef>
+          <a:fillRef idx="1">
+            <a:schemeClr val="lt1"/>
+          </a:fillRef>
+          <a:effectRef idx="0">
+            <a:schemeClr val="accent1"/>
+          </a:effectRef>
+          <a:fontRef idx="minor">
+            <a:schemeClr val="dk1"/>
+          </a:fontRef>
+        </p:style>
+        <p:txBody>
+          <a:bodyPr rtlCol="0" anchor="ctr"/>
+          <a:lstStyle/>
+          <a:p>
+            <a:pPr algn="ctr"/>
+            <a:endParaRPr lang="en-US"/>
+          </a:p>
+        </p:txBody>
+      </p:sp>
+      <p:sp>
+        <p:nvSpPr>
+          <p:cNvPr id="9" name="Rectangle 8">
+            <a:extLst>
+              <a:ext uri="{FF2B5EF4-FFF2-40B4-BE49-F238E27FC236}">
+                <a16:creationId xmlns:a16="http://schemas.microsoft.com/office/drawing/2014/main" id="{F6982861-BA9D-C943-4384-7041AB03F061}"/>
+              </a:ext>
+            </a:extLst>
+          </p:cNvPr>
+          <p:cNvSpPr/>
+          <p:nvPr/>
+        </p:nvSpPr>
+        <p:spPr>
+          <a:xfrm>
+            <a:off x="2299850" y="3648850"/>
+            <a:ext cx="2964873" cy="295564"/>
+          </a:xfrm>
+          <a:prstGeom prst="rect">
+            <a:avLst/>
+          </a:prstGeom>
+        </p:spPr>
+        <p:style>
+          <a:lnRef idx="2">
+            <a:schemeClr val="accent1"/>
+          </a:lnRef>
+          <a:fillRef idx="1">
+            <a:schemeClr val="lt1"/>
+          </a:fillRef>
+          <a:effectRef idx="0">
+            <a:schemeClr val="accent1"/>
+          </a:effectRef>
+          <a:fontRef idx="minor">
+            <a:schemeClr val="dk1"/>
+          </a:fontRef>
+        </p:style>
+        <p:txBody>
+          <a:bodyPr rtlCol="0" anchor="ctr"/>
+          <a:lstStyle/>
+          <a:p>
+            <a:pPr algn="ctr"/>
+            <a:endParaRPr lang="en-US"/>
+          </a:p>
+        </p:txBody>
+      </p:sp>
+      <p:sp>
+        <p:nvSpPr>
+          <p:cNvPr id="10" name="TextBox 9">
+            <a:extLst>
+              <a:ext uri="{FF2B5EF4-FFF2-40B4-BE49-F238E27FC236}">
+                <a16:creationId xmlns:a16="http://schemas.microsoft.com/office/drawing/2014/main" id="{EF0FA595-E900-0A94-1F96-72C02783FF29}"/>
+              </a:ext>
+            </a:extLst>
+          </p:cNvPr>
+          <p:cNvSpPr txBox="1"/>
+          <p:nvPr/>
+        </p:nvSpPr>
+        <p:spPr>
+          <a:xfrm>
+            <a:off x="6992998" y="1359091"/>
+            <a:ext cx="2250744" cy="2585323"/>
+          </a:xfrm>
+          <a:prstGeom prst="rect">
+            <a:avLst/>
+          </a:prstGeom>
+        </p:spPr>
+        <p:style>
+          <a:lnRef idx="2">
+            <a:schemeClr val="accent6"/>
+          </a:lnRef>
+          <a:fillRef idx="1">
+            <a:schemeClr val="lt1"/>
+          </a:fillRef>
+          <a:effectRef idx="0">
+            <a:schemeClr val="accent6"/>
+          </a:effectRef>
+          <a:fontRef idx="minor">
+            <a:schemeClr val="dk1"/>
+          </a:fontRef>
+        </p:style>
+        <p:txBody>
+          <a:bodyPr wrap="none" rtlCol="0">
+            <a:spAutoFit/>
+          </a:bodyPr>
+          <a:lstStyle/>
+          <a:p>
+            <a:pPr algn="r"/>
+            <a:r>
+              <a:rPr lang="en-US" dirty="0">
+                <a:ln w="0"/>
+                <a:solidFill>
+                  <a:schemeClr val="accent1"/>
+                </a:solidFill>
+                <a:effectLst>
+                  <a:outerShdw blurRad="38100" dist="25400" dir="5400000" algn="ctr" rotWithShape="0">
+                    <a:srgbClr val="6E747A">
+                      <a:alpha val="43000"/>
+                    </a:srgbClr>
+                  </a:outerShdw>
+                </a:effectLst>
+              </a:rPr>
+              <a:t>Preparedness Status</a:t>
+            </a:r>
+          </a:p>
+          <a:p>
+            <a:pPr algn="r"/>
+            <a:endParaRPr lang="en-US" dirty="0"/>
+          </a:p>
+          <a:p>
+            <a:pPr algn="r"/>
+            <a:r>
+              <a:rPr lang="en-US" dirty="0"/>
+              <a:t>Checklist complete:</a:t>
+            </a:r>
+            <a:br>
+              <a:rPr lang="en-US" dirty="0"/>
+            </a:br>
+            <a:endParaRPr lang="en-US" dirty="0"/>
+          </a:p>
+          <a:p>
+            <a:pPr algn="r"/>
+            <a:r>
+              <a:rPr lang="en-US" dirty="0"/>
+              <a:t>Radios:</a:t>
+            </a:r>
+          </a:p>
+          <a:p>
+            <a:pPr algn="r"/>
+            <a:endParaRPr lang="en-US" dirty="0"/>
+          </a:p>
+          <a:p>
+            <a:pPr algn="r"/>
+            <a:r>
+              <a:rPr lang="en-US" dirty="0"/>
+              <a:t>Water:</a:t>
+            </a:r>
+          </a:p>
+          <a:p>
+            <a:pPr algn="r"/>
+            <a:endParaRPr lang="en-US" dirty="0"/>
+          </a:p>
+          <a:p>
+            <a:pPr algn="r"/>
+            <a:r>
+              <a:rPr lang="en-US" dirty="0"/>
+              <a:t>Food:</a:t>
+            </a:r>
+          </a:p>
+        </p:txBody>
+      </p:sp>
+      <p:sp>
+        <p:nvSpPr>
+          <p:cNvPr id="11" name="Rectangle 10">
+            <a:extLst>
+              <a:ext uri="{FF2B5EF4-FFF2-40B4-BE49-F238E27FC236}">
+                <a16:creationId xmlns:a16="http://schemas.microsoft.com/office/drawing/2014/main" id="{100AE0B4-1FFF-AF8B-AA8E-043B6DDDAD8E}"/>
+              </a:ext>
+            </a:extLst>
+          </p:cNvPr>
+          <p:cNvSpPr/>
+          <p:nvPr/>
+        </p:nvSpPr>
+        <p:spPr>
+          <a:xfrm>
+            <a:off x="9365674" y="1939758"/>
+            <a:ext cx="277096" cy="295564"/>
+          </a:xfrm>
+          <a:prstGeom prst="rect">
+            <a:avLst/>
+          </a:prstGeom>
+        </p:spPr>
+        <p:style>
+          <a:lnRef idx="2">
+            <a:schemeClr val="accent6"/>
+          </a:lnRef>
+          <a:fillRef idx="1">
+            <a:schemeClr val="lt1"/>
+          </a:fillRef>
+          <a:effectRef idx="0">
+            <a:schemeClr val="accent6"/>
+          </a:effectRef>
+          <a:fontRef idx="minor">
+            <a:schemeClr val="dk1"/>
+          </a:fontRef>
+        </p:style>
+        <p:txBody>
+          <a:bodyPr rtlCol="0" anchor="ctr"/>
+          <a:lstStyle/>
+          <a:p>
+            <a:pPr algn="ctr"/>
+            <a:endParaRPr lang="en-US"/>
+          </a:p>
+        </p:txBody>
+      </p:sp>
+      <p:sp>
+        <p:nvSpPr>
+          <p:cNvPr id="12" name="Rectangle 11">
+            <a:extLst>
+              <a:ext uri="{FF2B5EF4-FFF2-40B4-BE49-F238E27FC236}">
+                <a16:creationId xmlns:a16="http://schemas.microsoft.com/office/drawing/2014/main" id="{6C8312F6-FCA2-B8CE-D4C2-73109419FBCC}"/>
+              </a:ext>
+            </a:extLst>
+          </p:cNvPr>
+          <p:cNvSpPr/>
+          <p:nvPr/>
+        </p:nvSpPr>
+        <p:spPr>
+          <a:xfrm>
+            <a:off x="9365674" y="2503970"/>
+            <a:ext cx="277096" cy="295564"/>
+          </a:xfrm>
+          <a:prstGeom prst="rect">
+            <a:avLst/>
+          </a:prstGeom>
+        </p:spPr>
+        <p:style>
+          <a:lnRef idx="2">
+            <a:schemeClr val="accent6"/>
+          </a:lnRef>
+          <a:fillRef idx="1">
+            <a:schemeClr val="lt1"/>
+          </a:fillRef>
+          <a:effectRef idx="0">
+            <a:schemeClr val="accent6"/>
+          </a:effectRef>
+          <a:fontRef idx="minor">
+            <a:schemeClr val="dk1"/>
+          </a:fontRef>
+        </p:style>
+        <p:txBody>
+          <a:bodyPr rtlCol="0" anchor="ctr"/>
+          <a:lstStyle/>
+          <a:p>
+            <a:pPr algn="ctr"/>
+            <a:endParaRPr lang="en-US"/>
+          </a:p>
+        </p:txBody>
+      </p:sp>
+      <p:sp>
+        <p:nvSpPr>
+          <p:cNvPr id="13" name="Rectangle 12">
+            <a:extLst>
+              <a:ext uri="{FF2B5EF4-FFF2-40B4-BE49-F238E27FC236}">
+                <a16:creationId xmlns:a16="http://schemas.microsoft.com/office/drawing/2014/main" id="{98FDC232-7968-D83E-38E9-94A23A8221A8}"/>
+              </a:ext>
+            </a:extLst>
+          </p:cNvPr>
+          <p:cNvSpPr/>
+          <p:nvPr/>
+        </p:nvSpPr>
+        <p:spPr>
+          <a:xfrm>
+            <a:off x="9365674" y="3068182"/>
+            <a:ext cx="277096" cy="295564"/>
+          </a:xfrm>
+          <a:prstGeom prst="rect">
+            <a:avLst/>
+          </a:prstGeom>
+        </p:spPr>
+        <p:style>
+          <a:lnRef idx="2">
+            <a:schemeClr val="accent6"/>
+          </a:lnRef>
+          <a:fillRef idx="1">
+            <a:schemeClr val="lt1"/>
+          </a:fillRef>
+          <a:effectRef idx="0">
+            <a:schemeClr val="accent6"/>
+          </a:effectRef>
+          <a:fontRef idx="minor">
+            <a:schemeClr val="dk1"/>
+          </a:fontRef>
+        </p:style>
+        <p:txBody>
+          <a:bodyPr rtlCol="0" anchor="ctr"/>
+          <a:lstStyle/>
+          <a:p>
+            <a:pPr algn="ctr"/>
+            <a:endParaRPr lang="en-US"/>
+          </a:p>
+        </p:txBody>
+      </p:sp>
+      <p:sp>
+        <p:nvSpPr>
+          <p:cNvPr id="14" name="Rectangle 13">
+            <a:extLst>
+              <a:ext uri="{FF2B5EF4-FFF2-40B4-BE49-F238E27FC236}">
+                <a16:creationId xmlns:a16="http://schemas.microsoft.com/office/drawing/2014/main" id="{018C7B0E-089A-D76C-CF41-C9B33FBF5FC8}"/>
+              </a:ext>
+            </a:extLst>
+          </p:cNvPr>
+          <p:cNvSpPr/>
+          <p:nvPr/>
+        </p:nvSpPr>
+        <p:spPr>
+          <a:xfrm>
+            <a:off x="9365674" y="3632394"/>
+            <a:ext cx="277096" cy="295564"/>
+          </a:xfrm>
+          <a:prstGeom prst="rect">
+            <a:avLst/>
+          </a:prstGeom>
+        </p:spPr>
+        <p:style>
+          <a:lnRef idx="2">
+            <a:schemeClr val="accent6"/>
+          </a:lnRef>
+          <a:fillRef idx="1">
+            <a:schemeClr val="lt1"/>
+          </a:fillRef>
+          <a:effectRef idx="0">
+            <a:schemeClr val="accent6"/>
+          </a:effectRef>
+          <a:fontRef idx="minor">
+            <a:schemeClr val="dk1"/>
+          </a:fontRef>
+        </p:style>
+        <p:txBody>
+          <a:bodyPr rtlCol="0" anchor="ctr"/>
+          <a:lstStyle/>
+          <a:p>
+            <a:pPr algn="ctr"/>
+            <a:endParaRPr lang="en-US"/>
+          </a:p>
+        </p:txBody>
+      </p:sp>
+      <p:sp>
+        <p:nvSpPr>
+          <p:cNvPr id="15" name="TextBox 14">
+            <a:extLst>
+              <a:ext uri="{FF2B5EF4-FFF2-40B4-BE49-F238E27FC236}">
+                <a16:creationId xmlns:a16="http://schemas.microsoft.com/office/drawing/2014/main" id="{EB2B7F1D-E3E7-2A33-03F1-856EA6C9662F}"/>
+              </a:ext>
+            </a:extLst>
+          </p:cNvPr>
+          <p:cNvSpPr txBox="1"/>
+          <p:nvPr/>
+        </p:nvSpPr>
+        <p:spPr>
+          <a:xfrm>
+            <a:off x="9325327" y="1902874"/>
+            <a:ext cx="357790" cy="369332"/>
+          </a:xfrm>
+          <a:prstGeom prst="rect">
+            <a:avLst/>
+          </a:prstGeom>
+          <a:noFill/>
+        </p:spPr>
+        <p:txBody>
+          <a:bodyPr wrap="none" rtlCol="0">
+            <a:spAutoFit/>
+          </a:bodyPr>
+          <a:lstStyle/>
+          <a:p>
+            <a:r>
+              <a:rPr lang="en-US" dirty="0"/>
+              <a:t>✓</a:t>
+            </a:r>
+          </a:p>
+        </p:txBody>
+      </p:sp>
+      <p:sp>
+        <p:nvSpPr>
+          <p:cNvPr id="19" name="Rectangle: Rounded Corners 18">
+            <a:extLst>
+              <a:ext uri="{FF2B5EF4-FFF2-40B4-BE49-F238E27FC236}">
+                <a16:creationId xmlns:a16="http://schemas.microsoft.com/office/drawing/2014/main" id="{833A6192-FA7C-BDC7-19F8-0236C7C25D94}"/>
+              </a:ext>
+            </a:extLst>
+          </p:cNvPr>
+          <p:cNvSpPr/>
+          <p:nvPr/>
+        </p:nvSpPr>
+        <p:spPr>
+          <a:xfrm>
+            <a:off x="2658956" y="4308764"/>
+            <a:ext cx="2246657" cy="618836"/>
+          </a:xfrm>
+          <a:prstGeom prst="roundRect">
+            <a:avLst/>
+          </a:prstGeom>
+        </p:spPr>
+        <p:style>
+          <a:lnRef idx="2">
+            <a:schemeClr val="accent1">
+              <a:shade val="15000"/>
+            </a:schemeClr>
+          </a:lnRef>
+          <a:fillRef idx="1">
+            <a:schemeClr val="accent1"/>
+          </a:fillRef>
+          <a:effectRef idx="0">
+            <a:schemeClr val="accent1"/>
+          </a:effectRef>
+          <a:fontRef idx="minor">
+            <a:schemeClr val="lt1"/>
+          </a:fontRef>
+        </p:style>
+        <p:txBody>
+          <a:bodyPr rtlCol="0" anchor="ctr"/>
+          <a:lstStyle/>
+          <a:p>
+            <a:pPr algn="ctr"/>
+            <a:r>
+              <a:rPr lang="en-US" dirty="0"/>
+              <a:t>Add Occupant</a:t>
+            </a:r>
+          </a:p>
+        </p:txBody>
+      </p:sp>
+      <p:sp>
+        <p:nvSpPr>
+          <p:cNvPr id="20" name="TextBox 19">
+            <a:extLst>
+              <a:ext uri="{FF2B5EF4-FFF2-40B4-BE49-F238E27FC236}">
+                <a16:creationId xmlns:a16="http://schemas.microsoft.com/office/drawing/2014/main" id="{0397A9D1-AA4D-4049-A1BC-ED0B6AC0295E}"/>
+              </a:ext>
+            </a:extLst>
+          </p:cNvPr>
+          <p:cNvSpPr txBox="1"/>
+          <p:nvPr/>
+        </p:nvSpPr>
+        <p:spPr>
+          <a:xfrm>
+            <a:off x="2904928" y="4927600"/>
+            <a:ext cx="1631280" cy="369332"/>
+          </a:xfrm>
+          <a:prstGeom prst="rect">
+            <a:avLst/>
+          </a:prstGeom>
+          <a:noFill/>
+        </p:spPr>
+        <p:txBody>
+          <a:bodyPr wrap="none" rtlCol="0">
+            <a:spAutoFit/>
+          </a:bodyPr>
+          <a:lstStyle/>
+          <a:p>
+            <a:r>
+              <a:rPr lang="en-US" i="1" dirty="0">
+                <a:solidFill>
+                  <a:srgbClr val="FF0000"/>
+                </a:solidFill>
+              </a:rPr>
+              <a:t>Go to Screen 4</a:t>
+            </a:r>
+          </a:p>
+        </p:txBody>
+      </p:sp>
+    </p:spTree>
+    <p:extLst>
+      <p:ext uri="{BB962C8B-B14F-4D97-AF65-F5344CB8AC3E}">
+        <p14:creationId xmlns:p14="http://schemas.microsoft.com/office/powerpoint/2010/main" val="2323598246"/>
+      </p:ext>
+    </p:extLst>
+  </p:cSld>
+  <p:clrMapOvr>
+    <a:masterClrMapping/>
+  </p:clrMapOvr>
+</p:sld>
+</file>
+
+<file path=ppt/slides/slide4.xml><?xml version="1.0" encoding="utf-8"?>
+<p:sld xmlns:a="http://schemas.openxmlformats.org/drawingml/2006/main" xmlns:r="http://schemas.openxmlformats.org/officeDocument/2006/relationships" xmlns:p="http://schemas.openxmlformats.org/presentationml/2006/main">
+  <p:cSld>
+    <p:spTree>
+      <p:nvGrpSpPr>
+        <p:cNvPr id="1" name=""/>
+        <p:cNvGrpSpPr/>
+        <p:nvPr/>
+      </p:nvGrpSpPr>
+      <p:grpSpPr>
+        <a:xfrm>
+          <a:off x="0" y="0"/>
+          <a:ext cx="0" cy="0"/>
+          <a:chOff x="0" y="0"/>
+          <a:chExt cx="0" cy="0"/>
+        </a:xfrm>
+      </p:grpSpPr>
+      <p:sp>
+        <p:nvSpPr>
+          <p:cNvPr id="2" name="TextBox 1">
+            <a:extLst>
+              <a:ext uri="{FF2B5EF4-FFF2-40B4-BE49-F238E27FC236}">
+                <a16:creationId xmlns:a16="http://schemas.microsoft.com/office/drawing/2014/main" id="{EDBA322E-5A72-552B-24A2-467E9FBB20CF}"/>
+              </a:ext>
+            </a:extLst>
+          </p:cNvPr>
+          <p:cNvSpPr txBox="1"/>
+          <p:nvPr/>
+        </p:nvSpPr>
+        <p:spPr>
+          <a:xfrm>
+            <a:off x="0" y="0"/>
+            <a:ext cx="1173783" cy="369332"/>
+          </a:xfrm>
+          <a:prstGeom prst="rect">
+            <a:avLst/>
+          </a:prstGeom>
+          <a:noFill/>
+        </p:spPr>
+        <p:txBody>
+          <a:bodyPr wrap="none" rtlCol="0">
+            <a:spAutoFit/>
+          </a:bodyPr>
+          <a:lstStyle/>
+          <a:p>
+            <a:r>
+              <a:rPr lang="en-US" dirty="0"/>
+              <a:t>Screen 3a</a:t>
+            </a:r>
+          </a:p>
+        </p:txBody>
+      </p:sp>
+      <p:sp>
+        <p:nvSpPr>
+          <p:cNvPr id="3" name="TextBox 2">
+            <a:extLst>
+              <a:ext uri="{FF2B5EF4-FFF2-40B4-BE49-F238E27FC236}">
+                <a16:creationId xmlns:a16="http://schemas.microsoft.com/office/drawing/2014/main" id="{C060BE1A-15BA-AF33-01D5-DE114B446840}"/>
+              </a:ext>
+            </a:extLst>
+          </p:cNvPr>
+          <p:cNvSpPr txBox="1"/>
+          <p:nvPr/>
+        </p:nvSpPr>
+        <p:spPr>
+          <a:xfrm>
+            <a:off x="5240766" y="582321"/>
+            <a:ext cx="1710468" cy="369332"/>
+          </a:xfrm>
+          <a:prstGeom prst="rect">
+            <a:avLst/>
+          </a:prstGeom>
+        </p:spPr>
+        <p:style>
+          <a:lnRef idx="2">
+            <a:schemeClr val="accent1"/>
+          </a:lnRef>
+          <a:fillRef idx="1">
+            <a:schemeClr val="lt1"/>
+          </a:fillRef>
+          <a:effectRef idx="0">
+            <a:schemeClr val="accent1"/>
+          </a:effectRef>
+          <a:fontRef idx="minor">
+            <a:schemeClr val="dk1"/>
+          </a:fontRef>
+        </p:style>
+        <p:txBody>
+          <a:bodyPr wrap="none" rtlCol="0">
+            <a:spAutoFit/>
+          </a:bodyPr>
+          <a:lstStyle/>
+          <a:p>
+            <a:r>
+              <a:rPr lang="en-US" dirty="0"/>
+              <a:t>Find Residence</a:t>
+            </a:r>
+          </a:p>
+        </p:txBody>
+      </p:sp>
+      <p:grpSp>
+        <p:nvGrpSpPr>
+          <p:cNvPr id="22" name="Group 21">
+            <a:extLst>
+              <a:ext uri="{FF2B5EF4-FFF2-40B4-BE49-F238E27FC236}">
+                <a16:creationId xmlns:a16="http://schemas.microsoft.com/office/drawing/2014/main" id="{8B3061D6-EC45-94C4-320C-5191D66909C4}"/>
+              </a:ext>
+            </a:extLst>
+          </p:cNvPr>
+          <p:cNvGrpSpPr/>
+          <p:nvPr/>
+        </p:nvGrpSpPr>
+        <p:grpSpPr>
+          <a:xfrm>
+            <a:off x="461818" y="1431636"/>
+            <a:ext cx="4802910" cy="2585323"/>
+            <a:chOff x="461818" y="1431636"/>
+            <a:chExt cx="4802910" cy="2585323"/>
+          </a:xfrm>
+        </p:grpSpPr>
+        <p:sp>
+          <p:nvSpPr>
+            <p:cNvPr id="4" name="TextBox 3">
+              <a:extLst>
+                <a:ext uri="{FF2B5EF4-FFF2-40B4-BE49-F238E27FC236}">
+                  <a16:creationId xmlns:a16="http://schemas.microsoft.com/office/drawing/2014/main" id="{ADC3BBEC-2FC4-06C4-B0E0-6B6BCB418C3F}"/>
+                </a:ext>
+              </a:extLst>
+            </p:cNvPr>
+            <p:cNvSpPr txBox="1"/>
+            <p:nvPr/>
+          </p:nvSpPr>
+          <p:spPr>
+            <a:xfrm>
+              <a:off x="461818" y="1431636"/>
+              <a:ext cx="1712392" cy="2585323"/>
+            </a:xfrm>
+            <a:prstGeom prst="rect">
+              <a:avLst/>
+            </a:prstGeom>
+            <a:noFill/>
+          </p:spPr>
+          <p:txBody>
+            <a:bodyPr wrap="none" rtlCol="0">
+              <a:spAutoFit/>
+            </a:bodyPr>
+            <a:lstStyle/>
+            <a:p>
+              <a:pPr algn="r"/>
+              <a:r>
+                <a:rPr lang="en-US" dirty="0"/>
+                <a:t>Street Number:</a:t>
+              </a:r>
+            </a:p>
+            <a:p>
+              <a:pPr algn="r"/>
+              <a:endParaRPr lang="en-US" dirty="0"/>
+            </a:p>
+            <a:p>
+              <a:pPr algn="r"/>
+              <a:r>
+                <a:rPr lang="en-US" dirty="0"/>
+                <a:t>Street Name:</a:t>
+              </a:r>
+            </a:p>
+            <a:p>
+              <a:pPr algn="r"/>
+              <a:endParaRPr lang="en-US" dirty="0"/>
+            </a:p>
+            <a:p>
+              <a:pPr algn="r"/>
+              <a:r>
+                <a:rPr lang="en-US" dirty="0"/>
+                <a:t>City:</a:t>
+              </a:r>
+            </a:p>
+            <a:p>
+              <a:pPr algn="r"/>
+              <a:endParaRPr lang="en-US" dirty="0"/>
+            </a:p>
+            <a:p>
+              <a:pPr algn="r"/>
+              <a:r>
+                <a:rPr lang="en-US" dirty="0"/>
+                <a:t>State:</a:t>
+              </a:r>
+            </a:p>
+            <a:p>
+              <a:pPr algn="r"/>
+              <a:endParaRPr lang="en-US" dirty="0"/>
+            </a:p>
+            <a:p>
+              <a:pPr algn="r"/>
+              <a:r>
+                <a:rPr lang="en-US" dirty="0"/>
+                <a:t>Zip:</a:t>
+              </a:r>
+            </a:p>
+          </p:txBody>
+        </p:sp>
+        <p:sp>
+          <p:nvSpPr>
+            <p:cNvPr id="5" name="Rectangle 4">
+              <a:extLst>
+                <a:ext uri="{FF2B5EF4-FFF2-40B4-BE49-F238E27FC236}">
+                  <a16:creationId xmlns:a16="http://schemas.microsoft.com/office/drawing/2014/main" id="{17F6B1D7-5A9D-1FD0-0FB8-2ABC9869C1D9}"/>
+                </a:ext>
+              </a:extLst>
+            </p:cNvPr>
+            <p:cNvSpPr/>
+            <p:nvPr/>
+          </p:nvSpPr>
+          <p:spPr>
+            <a:xfrm>
+              <a:off x="2299855" y="1431636"/>
+              <a:ext cx="2964873" cy="295564"/>
+            </a:xfrm>
+            <a:prstGeom prst="rect">
+              <a:avLst/>
+            </a:prstGeom>
+            <a:ln>
+              <a:solidFill>
+                <a:schemeClr val="accent2"/>
+              </a:solidFill>
+            </a:ln>
+          </p:spPr>
+          <p:style>
+            <a:lnRef idx="2">
+              <a:schemeClr val="accent1"/>
+            </a:lnRef>
+            <a:fillRef idx="1">
+              <a:schemeClr val="lt1"/>
+            </a:fillRef>
+            <a:effectRef idx="0">
+              <a:schemeClr val="accent1"/>
+            </a:effectRef>
+            <a:fontRef idx="minor">
+              <a:schemeClr val="dk1"/>
+            </a:fontRef>
+          </p:style>
+          <p:txBody>
+            <a:bodyPr rtlCol="0" anchor="ctr"/>
+            <a:lstStyle/>
+            <a:p>
+              <a:pPr algn="ctr"/>
+              <a:endParaRPr lang="en-US"/>
+            </a:p>
+          </p:txBody>
+        </p:sp>
+        <p:sp>
+          <p:nvSpPr>
+            <p:cNvPr id="6" name="Rectangle 5">
+              <a:extLst>
+                <a:ext uri="{FF2B5EF4-FFF2-40B4-BE49-F238E27FC236}">
+                  <a16:creationId xmlns:a16="http://schemas.microsoft.com/office/drawing/2014/main" id="{C3C32A2E-B640-F245-B280-45A9FDC932A1}"/>
+                </a:ext>
+              </a:extLst>
+            </p:cNvPr>
+            <p:cNvSpPr/>
+            <p:nvPr/>
+          </p:nvSpPr>
+          <p:spPr>
+            <a:xfrm>
+              <a:off x="2299849" y="2022885"/>
+              <a:ext cx="2964873" cy="295564"/>
+            </a:xfrm>
+            <a:prstGeom prst="rect">
+              <a:avLst/>
+            </a:prstGeom>
+            <a:ln>
+              <a:solidFill>
+                <a:schemeClr val="accent2"/>
+              </a:solidFill>
+            </a:ln>
+          </p:spPr>
+          <p:style>
+            <a:lnRef idx="2">
+              <a:schemeClr val="accent1"/>
+            </a:lnRef>
+            <a:fillRef idx="1">
+              <a:schemeClr val="lt1"/>
+            </a:fillRef>
+            <a:effectRef idx="0">
+              <a:schemeClr val="accent1"/>
+            </a:effectRef>
+            <a:fontRef idx="minor">
+              <a:schemeClr val="dk1"/>
+            </a:fontRef>
+          </p:style>
+          <p:txBody>
+            <a:bodyPr rtlCol="0" anchor="ctr"/>
+            <a:lstStyle/>
+            <a:p>
+              <a:pPr algn="ctr"/>
+              <a:endParaRPr lang="en-US"/>
+            </a:p>
+          </p:txBody>
+        </p:sp>
+        <p:sp>
+          <p:nvSpPr>
+            <p:cNvPr id="7" name="Rectangle 6">
+              <a:extLst>
+                <a:ext uri="{FF2B5EF4-FFF2-40B4-BE49-F238E27FC236}">
+                  <a16:creationId xmlns:a16="http://schemas.microsoft.com/office/drawing/2014/main" id="{F9AB762C-53E6-5949-CCB6-1750786DC387}"/>
+                </a:ext>
+              </a:extLst>
+            </p:cNvPr>
+            <p:cNvSpPr/>
+            <p:nvPr/>
+          </p:nvSpPr>
+          <p:spPr>
+            <a:xfrm>
+              <a:off x="2299850" y="2576515"/>
+              <a:ext cx="2964873" cy="295564"/>
+            </a:xfrm>
+            <a:prstGeom prst="rect">
+              <a:avLst/>
+            </a:prstGeom>
+          </p:spPr>
+          <p:style>
+            <a:lnRef idx="2">
+              <a:schemeClr val="accent1"/>
+            </a:lnRef>
+            <a:fillRef idx="1">
+              <a:schemeClr val="lt1"/>
+            </a:fillRef>
+            <a:effectRef idx="0">
+              <a:schemeClr val="accent1"/>
+            </a:effectRef>
+            <a:fontRef idx="minor">
+              <a:schemeClr val="dk1"/>
+            </a:fontRef>
+          </p:style>
+          <p:txBody>
+            <a:bodyPr rtlCol="0" anchor="ctr"/>
+            <a:lstStyle/>
+            <a:p>
+              <a:pPr algn="ctr"/>
+              <a:endParaRPr lang="en-US"/>
+            </a:p>
+          </p:txBody>
+        </p:sp>
+        <p:sp>
+          <p:nvSpPr>
+            <p:cNvPr id="8" name="Rectangle 7">
+              <a:extLst>
+                <a:ext uri="{FF2B5EF4-FFF2-40B4-BE49-F238E27FC236}">
+                  <a16:creationId xmlns:a16="http://schemas.microsoft.com/office/drawing/2014/main" id="{E1848F8E-5B95-2920-4A0A-7F794431FB3E}"/>
+                </a:ext>
+              </a:extLst>
+            </p:cNvPr>
+            <p:cNvSpPr/>
+            <p:nvPr/>
+          </p:nvSpPr>
+          <p:spPr>
+            <a:xfrm>
+              <a:off x="2299851" y="3133436"/>
+              <a:ext cx="2964873" cy="295564"/>
+            </a:xfrm>
+            <a:prstGeom prst="rect">
+              <a:avLst/>
+            </a:prstGeom>
+          </p:spPr>
+          <p:style>
+            <a:lnRef idx="2">
+              <a:schemeClr val="accent1"/>
+            </a:lnRef>
+            <a:fillRef idx="1">
+              <a:schemeClr val="lt1"/>
+            </a:fillRef>
+            <a:effectRef idx="0">
+              <a:schemeClr val="accent1"/>
+            </a:effectRef>
+            <a:fontRef idx="minor">
+              <a:schemeClr val="dk1"/>
+            </a:fontRef>
+          </p:style>
+          <p:txBody>
+            <a:bodyPr rtlCol="0" anchor="ctr"/>
+            <a:lstStyle/>
+            <a:p>
+              <a:pPr algn="ctr"/>
+              <a:endParaRPr lang="en-US"/>
+            </a:p>
+          </p:txBody>
+        </p:sp>
+        <p:sp>
+          <p:nvSpPr>
+            <p:cNvPr id="9" name="Rectangle 8">
+              <a:extLst>
+                <a:ext uri="{FF2B5EF4-FFF2-40B4-BE49-F238E27FC236}">
+                  <a16:creationId xmlns:a16="http://schemas.microsoft.com/office/drawing/2014/main" id="{F6982861-BA9D-C943-4384-7041AB03F061}"/>
+                </a:ext>
+              </a:extLst>
+            </p:cNvPr>
+            <p:cNvSpPr/>
+            <p:nvPr/>
+          </p:nvSpPr>
+          <p:spPr>
+            <a:xfrm>
+              <a:off x="2299850" y="3648850"/>
+              <a:ext cx="2964873" cy="295564"/>
+            </a:xfrm>
+            <a:prstGeom prst="rect">
+              <a:avLst/>
+            </a:prstGeom>
+          </p:spPr>
+          <p:style>
+            <a:lnRef idx="2">
+              <a:schemeClr val="accent1"/>
+            </a:lnRef>
+            <a:fillRef idx="1">
+              <a:schemeClr val="lt1"/>
+            </a:fillRef>
+            <a:effectRef idx="0">
+              <a:schemeClr val="accent1"/>
+            </a:effectRef>
+            <a:fontRef idx="minor">
+              <a:schemeClr val="dk1"/>
+            </a:fontRef>
+          </p:style>
+          <p:txBody>
+            <a:bodyPr rtlCol="0" anchor="ctr"/>
+            <a:lstStyle/>
+            <a:p>
+              <a:pPr algn="ctr"/>
+              <a:endParaRPr lang="en-US"/>
+            </a:p>
+          </p:txBody>
+        </p:sp>
+      </p:grpSp>
+      <p:sp>
+        <p:nvSpPr>
+          <p:cNvPr id="19" name="Rectangle: Rounded Corners 18">
+            <a:extLst>
+              <a:ext uri="{FF2B5EF4-FFF2-40B4-BE49-F238E27FC236}">
+                <a16:creationId xmlns:a16="http://schemas.microsoft.com/office/drawing/2014/main" id="{833A6192-FA7C-BDC7-19F8-0236C7C25D94}"/>
+              </a:ext>
+            </a:extLst>
+          </p:cNvPr>
+          <p:cNvSpPr/>
+          <p:nvPr/>
+        </p:nvSpPr>
+        <p:spPr>
+          <a:xfrm>
+            <a:off x="7544993" y="1431636"/>
+            <a:ext cx="2246657" cy="618836"/>
+          </a:xfrm>
+          <a:prstGeom prst="roundRect">
+            <a:avLst/>
+          </a:prstGeom>
+        </p:spPr>
+        <p:style>
+          <a:lnRef idx="2">
+            <a:schemeClr val="accent1">
+              <a:shade val="15000"/>
+            </a:schemeClr>
+          </a:lnRef>
+          <a:fillRef idx="1">
+            <a:schemeClr val="accent1"/>
+          </a:fillRef>
+          <a:effectRef idx="0">
+            <a:schemeClr val="accent1"/>
+          </a:effectRef>
+          <a:fontRef idx="minor">
+            <a:schemeClr val="lt1"/>
+          </a:fontRef>
+        </p:style>
+        <p:txBody>
+          <a:bodyPr rtlCol="0" anchor="ctr"/>
+          <a:lstStyle/>
+          <a:p>
+            <a:pPr algn="ctr"/>
+            <a:r>
+              <a:rPr lang="en-US" dirty="0"/>
+              <a:t>Delete Residence</a:t>
+            </a:r>
+          </a:p>
+        </p:txBody>
+      </p:sp>
+      <p:sp>
+        <p:nvSpPr>
+          <p:cNvPr id="20" name="TextBox 19">
+            <a:extLst>
+              <a:ext uri="{FF2B5EF4-FFF2-40B4-BE49-F238E27FC236}">
+                <a16:creationId xmlns:a16="http://schemas.microsoft.com/office/drawing/2014/main" id="{0397A9D1-AA4D-4049-A1BC-ED0B6AC0295E}"/>
+              </a:ext>
+            </a:extLst>
+          </p:cNvPr>
+          <p:cNvSpPr txBox="1"/>
+          <p:nvPr/>
+        </p:nvSpPr>
+        <p:spPr>
+          <a:xfrm>
+            <a:off x="7852681" y="2050472"/>
+            <a:ext cx="1631280" cy="369332"/>
+          </a:xfrm>
+          <a:prstGeom prst="rect">
+            <a:avLst/>
+          </a:prstGeom>
+          <a:noFill/>
+        </p:spPr>
+        <p:txBody>
+          <a:bodyPr wrap="none" rtlCol="0">
+            <a:spAutoFit/>
+          </a:bodyPr>
+          <a:lstStyle/>
+          <a:p>
+            <a:r>
+              <a:rPr lang="en-US" i="1" dirty="0">
+                <a:solidFill>
+                  <a:srgbClr val="FF0000"/>
+                </a:solidFill>
+              </a:rPr>
+              <a:t>Go to Screen 5</a:t>
+            </a:r>
+          </a:p>
+        </p:txBody>
+      </p:sp>
+      <p:sp>
+        <p:nvSpPr>
+          <p:cNvPr id="23" name="Rectangle: Rounded Corners 22">
+            <a:extLst>
+              <a:ext uri="{FF2B5EF4-FFF2-40B4-BE49-F238E27FC236}">
+                <a16:creationId xmlns:a16="http://schemas.microsoft.com/office/drawing/2014/main" id="{553B3D7C-DF6E-D848-E17F-565E8949E9E1}"/>
+              </a:ext>
+            </a:extLst>
+          </p:cNvPr>
+          <p:cNvSpPr/>
+          <p:nvPr/>
+        </p:nvSpPr>
+        <p:spPr>
+          <a:xfrm>
+            <a:off x="7544993" y="2867460"/>
+            <a:ext cx="2246657" cy="618836"/>
+          </a:xfrm>
+          <a:prstGeom prst="roundRect">
+            <a:avLst/>
+          </a:prstGeom>
+        </p:spPr>
+        <p:style>
+          <a:lnRef idx="2">
+            <a:schemeClr val="accent1">
+              <a:shade val="15000"/>
+            </a:schemeClr>
+          </a:lnRef>
+          <a:fillRef idx="1">
+            <a:schemeClr val="accent1"/>
+          </a:fillRef>
+          <a:effectRef idx="0">
+            <a:schemeClr val="accent1"/>
+          </a:effectRef>
+          <a:fontRef idx="minor">
+            <a:schemeClr val="lt1"/>
+          </a:fontRef>
+        </p:style>
+        <p:txBody>
+          <a:bodyPr rtlCol="0" anchor="ctr"/>
+          <a:lstStyle/>
+          <a:p>
+            <a:pPr algn="ctr"/>
+            <a:r>
+              <a:rPr lang="en-US" dirty="0"/>
+              <a:t>Add Occupant</a:t>
+            </a:r>
+          </a:p>
+        </p:txBody>
+      </p:sp>
+      <p:sp>
+        <p:nvSpPr>
+          <p:cNvPr id="24" name="TextBox 23">
+            <a:extLst>
+              <a:ext uri="{FF2B5EF4-FFF2-40B4-BE49-F238E27FC236}">
+                <a16:creationId xmlns:a16="http://schemas.microsoft.com/office/drawing/2014/main" id="{F4A9F64F-EDBA-EDE4-685E-50756D8549A0}"/>
+              </a:ext>
+            </a:extLst>
+          </p:cNvPr>
+          <p:cNvSpPr txBox="1"/>
+          <p:nvPr/>
+        </p:nvSpPr>
+        <p:spPr>
+          <a:xfrm>
+            <a:off x="7852681" y="3486296"/>
+            <a:ext cx="1631280" cy="369332"/>
+          </a:xfrm>
+          <a:prstGeom prst="rect">
+            <a:avLst/>
+          </a:prstGeom>
+          <a:noFill/>
+        </p:spPr>
+        <p:txBody>
+          <a:bodyPr wrap="none" rtlCol="0">
+            <a:spAutoFit/>
+          </a:bodyPr>
+          <a:lstStyle/>
+          <a:p>
+            <a:r>
+              <a:rPr lang="en-US" i="1" dirty="0">
+                <a:solidFill>
+                  <a:srgbClr val="FF0000"/>
+                </a:solidFill>
+              </a:rPr>
+              <a:t>Go to Screen 4</a:t>
+            </a:r>
+          </a:p>
+        </p:txBody>
+      </p:sp>
+    </p:spTree>
+    <p:extLst>
+      <p:ext uri="{BB962C8B-B14F-4D97-AF65-F5344CB8AC3E}">
+        <p14:creationId xmlns:p14="http://schemas.microsoft.com/office/powerpoint/2010/main" val="291612715"/>
+      </p:ext>
+    </p:extLst>
+  </p:cSld>
+  <p:clrMapOvr>
+    <a:masterClrMapping/>
+  </p:clrMapOvr>
+</p:sld>
+</file>
+
+<file path=ppt/slides/slide5.xml><?xml version="1.0" encoding="utf-8"?>
+<p:sld xmlns:a="http://schemas.openxmlformats.org/drawingml/2006/main" xmlns:r="http://schemas.openxmlformats.org/officeDocument/2006/relationships" xmlns:p="http://schemas.openxmlformats.org/presentationml/2006/main">
+  <p:cSld>
+    <p:spTree>
+      <p:nvGrpSpPr>
+        <p:cNvPr id="1" name=""/>
+        <p:cNvGrpSpPr/>
+        <p:nvPr/>
+      </p:nvGrpSpPr>
+      <p:grpSpPr>
+        <a:xfrm>
+          <a:off x="0" y="0"/>
+          <a:ext cx="0" cy="0"/>
+          <a:chOff x="0" y="0"/>
+          <a:chExt cx="0" cy="0"/>
+        </a:xfrm>
+      </p:grpSpPr>
+      <p:sp>
+        <p:nvSpPr>
+          <p:cNvPr id="2" name="TextBox 1">
+            <a:extLst>
+              <a:ext uri="{FF2B5EF4-FFF2-40B4-BE49-F238E27FC236}">
+                <a16:creationId xmlns:a16="http://schemas.microsoft.com/office/drawing/2014/main" id="{EDBA322E-5A72-552B-24A2-467E9FBB20CF}"/>
+              </a:ext>
+            </a:extLst>
+          </p:cNvPr>
+          <p:cNvSpPr txBox="1"/>
+          <p:nvPr/>
+        </p:nvSpPr>
+        <p:spPr>
+          <a:xfrm>
+            <a:off x="0" y="0"/>
+            <a:ext cx="1172180" cy="369332"/>
+          </a:xfrm>
+          <a:prstGeom prst="rect">
+            <a:avLst/>
+          </a:prstGeom>
+          <a:noFill/>
+        </p:spPr>
+        <p:txBody>
+          <a:bodyPr wrap="none" rtlCol="0">
+            <a:spAutoFit/>
+          </a:bodyPr>
+          <a:lstStyle/>
+          <a:p>
+            <a:r>
+              <a:rPr lang="en-US" dirty="0"/>
+              <a:t>Screen 3c</a:t>
+            </a:r>
+          </a:p>
+        </p:txBody>
+      </p:sp>
+      <p:sp>
+        <p:nvSpPr>
+          <p:cNvPr id="3" name="TextBox 2">
+            <a:extLst>
+              <a:ext uri="{FF2B5EF4-FFF2-40B4-BE49-F238E27FC236}">
+                <a16:creationId xmlns:a16="http://schemas.microsoft.com/office/drawing/2014/main" id="{C060BE1A-15BA-AF33-01D5-DE114B446840}"/>
+              </a:ext>
+            </a:extLst>
+          </p:cNvPr>
+          <p:cNvSpPr txBox="1"/>
+          <p:nvPr/>
+        </p:nvSpPr>
+        <p:spPr>
+          <a:xfrm>
+            <a:off x="4486521" y="637647"/>
+            <a:ext cx="3218958" cy="369332"/>
+          </a:xfrm>
+          <a:prstGeom prst="rect">
+            <a:avLst/>
+          </a:prstGeom>
+        </p:spPr>
+        <p:style>
+          <a:lnRef idx="2">
+            <a:schemeClr val="accent1"/>
+          </a:lnRef>
+          <a:fillRef idx="1">
+            <a:schemeClr val="lt1"/>
+          </a:fillRef>
+          <a:effectRef idx="0">
+            <a:schemeClr val="accent1"/>
+          </a:effectRef>
+          <a:fontRef idx="minor">
+            <a:schemeClr val="dk1"/>
+          </a:fontRef>
+        </p:style>
+        <p:txBody>
+          <a:bodyPr wrap="none" rtlCol="0">
+            <a:spAutoFit/>
+          </a:bodyPr>
+          <a:lstStyle/>
+          <a:p>
+            <a:r>
+              <a:rPr lang="en-US" dirty="0"/>
+              <a:t>Update Residence Information</a:t>
+            </a:r>
+          </a:p>
+        </p:txBody>
+      </p:sp>
+      <p:sp>
+        <p:nvSpPr>
+          <p:cNvPr id="4" name="TextBox 3">
+            <a:extLst>
+              <a:ext uri="{FF2B5EF4-FFF2-40B4-BE49-F238E27FC236}">
+                <a16:creationId xmlns:a16="http://schemas.microsoft.com/office/drawing/2014/main" id="{ADC3BBEC-2FC4-06C4-B0E0-6B6BCB418C3F}"/>
+              </a:ext>
+            </a:extLst>
+          </p:cNvPr>
+          <p:cNvSpPr txBox="1"/>
+          <p:nvPr/>
+        </p:nvSpPr>
+        <p:spPr>
+          <a:xfrm>
+            <a:off x="461818" y="1431636"/>
+            <a:ext cx="1712392" cy="2585323"/>
+          </a:xfrm>
+          <a:prstGeom prst="rect">
+            <a:avLst/>
+          </a:prstGeom>
+          <a:noFill/>
+        </p:spPr>
+        <p:txBody>
+          <a:bodyPr wrap="none" rtlCol="0">
+            <a:spAutoFit/>
+          </a:bodyPr>
+          <a:lstStyle/>
+          <a:p>
+            <a:pPr algn="r"/>
+            <a:r>
+              <a:rPr lang="en-US" dirty="0"/>
+              <a:t>Street Number:</a:t>
+            </a:r>
+          </a:p>
+          <a:p>
+            <a:pPr algn="r"/>
+            <a:endParaRPr lang="en-US" dirty="0"/>
+          </a:p>
+          <a:p>
+            <a:pPr algn="r"/>
+            <a:r>
+              <a:rPr lang="en-US" dirty="0"/>
+              <a:t>Street Name:</a:t>
+            </a:r>
+          </a:p>
+          <a:p>
+            <a:pPr algn="r"/>
+            <a:endParaRPr lang="en-US" dirty="0"/>
+          </a:p>
+          <a:p>
+            <a:pPr algn="r"/>
+            <a:r>
+              <a:rPr lang="en-US" dirty="0"/>
+              <a:t>City:</a:t>
+            </a:r>
+          </a:p>
+          <a:p>
+            <a:pPr algn="r"/>
+            <a:endParaRPr lang="en-US" dirty="0"/>
+          </a:p>
+          <a:p>
+            <a:pPr algn="r"/>
+            <a:r>
+              <a:rPr lang="en-US" dirty="0"/>
+              <a:t>State:</a:t>
+            </a:r>
+          </a:p>
+          <a:p>
+            <a:pPr algn="r"/>
+            <a:endParaRPr lang="en-US" dirty="0"/>
+          </a:p>
+          <a:p>
+            <a:pPr algn="r"/>
+            <a:r>
+              <a:rPr lang="en-US" dirty="0"/>
+              <a:t>Zip:</a:t>
+            </a:r>
+          </a:p>
+        </p:txBody>
+      </p:sp>
+      <p:sp>
+        <p:nvSpPr>
+          <p:cNvPr id="5" name="Rectangle 4">
+            <a:extLst>
+              <a:ext uri="{FF2B5EF4-FFF2-40B4-BE49-F238E27FC236}">
+                <a16:creationId xmlns:a16="http://schemas.microsoft.com/office/drawing/2014/main" id="{17F6B1D7-5A9D-1FD0-0FB8-2ABC9869C1D9}"/>
+              </a:ext>
+            </a:extLst>
+          </p:cNvPr>
+          <p:cNvSpPr/>
+          <p:nvPr/>
+        </p:nvSpPr>
+        <p:spPr>
+          <a:xfrm>
+            <a:off x="2299855" y="1431636"/>
+            <a:ext cx="2964873" cy="295564"/>
+          </a:xfrm>
+          <a:prstGeom prst="rect">
+            <a:avLst/>
+          </a:prstGeom>
+        </p:spPr>
+        <p:style>
+          <a:lnRef idx="2">
+            <a:schemeClr val="accent1"/>
+          </a:lnRef>
+          <a:fillRef idx="1">
+            <a:schemeClr val="lt1"/>
+          </a:fillRef>
+          <a:effectRef idx="0">
+            <a:schemeClr val="accent1"/>
+          </a:effectRef>
+          <a:fontRef idx="minor">
+            <a:schemeClr val="dk1"/>
+          </a:fontRef>
+        </p:style>
+        <p:txBody>
+          <a:bodyPr rtlCol="0" anchor="ctr"/>
+          <a:lstStyle/>
+          <a:p>
+            <a:pPr algn="ctr"/>
+            <a:r>
+              <a:rPr lang="en-US" sz="1100" i="1" dirty="0">
+                <a:solidFill>
+                  <a:schemeClr val="tx1">
+                    <a:lumMod val="65000"/>
+                    <a:lumOff val="35000"/>
+                  </a:schemeClr>
+                </a:solidFill>
+              </a:rPr>
+              <a:t>preload</a:t>
+            </a:r>
+          </a:p>
+        </p:txBody>
+      </p:sp>
+      <p:sp>
+        <p:nvSpPr>
+          <p:cNvPr id="6" name="Rectangle 5">
+            <a:extLst>
+              <a:ext uri="{FF2B5EF4-FFF2-40B4-BE49-F238E27FC236}">
+                <a16:creationId xmlns:a16="http://schemas.microsoft.com/office/drawing/2014/main" id="{C3C32A2E-B640-F245-B280-45A9FDC932A1}"/>
+              </a:ext>
+            </a:extLst>
+          </p:cNvPr>
+          <p:cNvSpPr/>
+          <p:nvPr/>
+        </p:nvSpPr>
+        <p:spPr>
+          <a:xfrm>
+            <a:off x="2299849" y="2022885"/>
+            <a:ext cx="2964873" cy="295564"/>
+          </a:xfrm>
+          <a:prstGeom prst="rect">
+            <a:avLst/>
+          </a:prstGeom>
+        </p:spPr>
+        <p:style>
+          <a:lnRef idx="2">
+            <a:schemeClr val="accent1"/>
+          </a:lnRef>
+          <a:fillRef idx="1">
+            <a:schemeClr val="lt1"/>
+          </a:fillRef>
+          <a:effectRef idx="0">
+            <a:schemeClr val="accent1"/>
+          </a:effectRef>
+          <a:fontRef idx="minor">
+            <a:schemeClr val="dk1"/>
+          </a:fontRef>
+        </p:style>
+        <p:txBody>
+          <a:bodyPr rtlCol="0" anchor="ctr"/>
+          <a:lstStyle/>
+          <a:p>
+            <a:pPr algn="ctr"/>
+            <a:r>
+              <a:rPr lang="en-US" sz="1100" i="1" dirty="0">
+                <a:solidFill>
+                  <a:schemeClr val="tx1">
+                    <a:lumMod val="65000"/>
+                    <a:lumOff val="35000"/>
+                  </a:schemeClr>
+                </a:solidFill>
+              </a:rPr>
+              <a:t>preload</a:t>
+            </a:r>
+            <a:endParaRPr lang="en-US" sz="1100" dirty="0"/>
+          </a:p>
+        </p:txBody>
+      </p:sp>
+      <p:sp>
+        <p:nvSpPr>
+          <p:cNvPr id="7" name="Rectangle 6">
+            <a:extLst>
+              <a:ext uri="{FF2B5EF4-FFF2-40B4-BE49-F238E27FC236}">
+                <a16:creationId xmlns:a16="http://schemas.microsoft.com/office/drawing/2014/main" id="{F9AB762C-53E6-5949-CCB6-1750786DC387}"/>
+              </a:ext>
+            </a:extLst>
+          </p:cNvPr>
+          <p:cNvSpPr/>
+          <p:nvPr/>
+        </p:nvSpPr>
+        <p:spPr>
+          <a:xfrm>
+            <a:off x="2299850" y="2576515"/>
+            <a:ext cx="2964873" cy="295564"/>
+          </a:xfrm>
+          <a:prstGeom prst="rect">
+            <a:avLst/>
+          </a:prstGeom>
+        </p:spPr>
+        <p:style>
+          <a:lnRef idx="2">
+            <a:schemeClr val="accent1"/>
+          </a:lnRef>
+          <a:fillRef idx="1">
+            <a:schemeClr val="lt1"/>
+          </a:fillRef>
+          <a:effectRef idx="0">
+            <a:schemeClr val="accent1"/>
+          </a:effectRef>
+          <a:fontRef idx="minor">
+            <a:schemeClr val="dk1"/>
+          </a:fontRef>
+        </p:style>
+        <p:txBody>
+          <a:bodyPr rtlCol="0" anchor="ctr"/>
+          <a:lstStyle/>
+          <a:p>
+            <a:pPr algn="ctr"/>
+            <a:r>
+              <a:rPr lang="en-US" sz="1100" i="1" dirty="0">
+                <a:solidFill>
+                  <a:schemeClr val="tx1">
+                    <a:lumMod val="65000"/>
+                    <a:lumOff val="35000"/>
+                  </a:schemeClr>
+                </a:solidFill>
+              </a:rPr>
+              <a:t>preload</a:t>
+            </a:r>
+            <a:endParaRPr lang="en-US" sz="1100" dirty="0"/>
+          </a:p>
+        </p:txBody>
+      </p:sp>
+      <p:sp>
+        <p:nvSpPr>
+          <p:cNvPr id="8" name="Rectangle 7">
+            <a:extLst>
+              <a:ext uri="{FF2B5EF4-FFF2-40B4-BE49-F238E27FC236}">
+                <a16:creationId xmlns:a16="http://schemas.microsoft.com/office/drawing/2014/main" id="{E1848F8E-5B95-2920-4A0A-7F794431FB3E}"/>
+              </a:ext>
+            </a:extLst>
+          </p:cNvPr>
+          <p:cNvSpPr/>
+          <p:nvPr/>
+        </p:nvSpPr>
+        <p:spPr>
+          <a:xfrm>
+            <a:off x="2299851" y="3133436"/>
+            <a:ext cx="2964873" cy="295564"/>
+          </a:xfrm>
+          <a:prstGeom prst="rect">
+            <a:avLst/>
+          </a:prstGeom>
+        </p:spPr>
+        <p:style>
+          <a:lnRef idx="2">
+            <a:schemeClr val="accent1"/>
+          </a:lnRef>
+          <a:fillRef idx="1">
+            <a:schemeClr val="lt1"/>
+          </a:fillRef>
+          <a:effectRef idx="0">
+            <a:schemeClr val="accent1"/>
+          </a:effectRef>
+          <a:fontRef idx="minor">
+            <a:schemeClr val="dk1"/>
+          </a:fontRef>
+        </p:style>
+        <p:txBody>
+          <a:bodyPr rtlCol="0" anchor="ctr"/>
+          <a:lstStyle/>
+          <a:p>
+            <a:pPr algn="ctr"/>
+            <a:r>
+              <a:rPr lang="en-US" sz="1100" i="1" dirty="0">
+                <a:solidFill>
+                  <a:schemeClr val="tx1">
+                    <a:lumMod val="65000"/>
+                    <a:lumOff val="35000"/>
+                  </a:schemeClr>
+                </a:solidFill>
+              </a:rPr>
+              <a:t>preload</a:t>
+            </a:r>
+            <a:endParaRPr lang="en-US" sz="1100" dirty="0"/>
+          </a:p>
+        </p:txBody>
+      </p:sp>
+      <p:sp>
+        <p:nvSpPr>
+          <p:cNvPr id="9" name="Rectangle 8">
+            <a:extLst>
+              <a:ext uri="{FF2B5EF4-FFF2-40B4-BE49-F238E27FC236}">
+                <a16:creationId xmlns:a16="http://schemas.microsoft.com/office/drawing/2014/main" id="{F6982861-BA9D-C943-4384-7041AB03F061}"/>
+              </a:ext>
+            </a:extLst>
+          </p:cNvPr>
+          <p:cNvSpPr/>
+          <p:nvPr/>
+        </p:nvSpPr>
+        <p:spPr>
+          <a:xfrm>
+            <a:off x="2299850" y="3648850"/>
+            <a:ext cx="2964873" cy="295564"/>
+          </a:xfrm>
+          <a:prstGeom prst="rect">
+            <a:avLst/>
+          </a:prstGeom>
+        </p:spPr>
+        <p:style>
+          <a:lnRef idx="2">
+            <a:schemeClr val="accent1"/>
+          </a:lnRef>
+          <a:fillRef idx="1">
+            <a:schemeClr val="lt1"/>
+          </a:fillRef>
+          <a:effectRef idx="0">
+            <a:schemeClr val="accent1"/>
+          </a:effectRef>
+          <a:fontRef idx="minor">
+            <a:schemeClr val="dk1"/>
+          </a:fontRef>
+        </p:style>
+        <p:txBody>
+          <a:bodyPr rtlCol="0" anchor="ctr"/>
+          <a:lstStyle/>
+          <a:p>
+            <a:pPr algn="ctr"/>
+            <a:r>
+              <a:rPr lang="en-US" sz="1100" i="1" dirty="0">
+                <a:solidFill>
+                  <a:schemeClr val="tx1">
+                    <a:lumMod val="65000"/>
+                    <a:lumOff val="35000"/>
+                  </a:schemeClr>
+                </a:solidFill>
+              </a:rPr>
+              <a:t>preload</a:t>
+            </a:r>
+            <a:endParaRPr lang="en-US" sz="1100" dirty="0"/>
+          </a:p>
+        </p:txBody>
+      </p:sp>
+      <p:sp>
+        <p:nvSpPr>
+          <p:cNvPr id="10" name="TextBox 9">
+            <a:extLst>
+              <a:ext uri="{FF2B5EF4-FFF2-40B4-BE49-F238E27FC236}">
+                <a16:creationId xmlns:a16="http://schemas.microsoft.com/office/drawing/2014/main" id="{EF0FA595-E900-0A94-1F96-72C02783FF29}"/>
+              </a:ext>
+            </a:extLst>
+          </p:cNvPr>
+          <p:cNvSpPr txBox="1"/>
+          <p:nvPr/>
+        </p:nvSpPr>
+        <p:spPr>
+          <a:xfrm>
+            <a:off x="6992998" y="1359091"/>
+            <a:ext cx="2250744" cy="2585323"/>
+          </a:xfrm>
+          <a:prstGeom prst="rect">
+            <a:avLst/>
+          </a:prstGeom>
+        </p:spPr>
+        <p:style>
+          <a:lnRef idx="2">
+            <a:schemeClr val="accent6"/>
+          </a:lnRef>
+          <a:fillRef idx="1">
+            <a:schemeClr val="lt1"/>
+          </a:fillRef>
+          <a:effectRef idx="0">
+            <a:schemeClr val="accent6"/>
+          </a:effectRef>
+          <a:fontRef idx="minor">
+            <a:schemeClr val="dk1"/>
+          </a:fontRef>
+        </p:style>
+        <p:txBody>
+          <a:bodyPr wrap="none" rtlCol="0">
+            <a:spAutoFit/>
+          </a:bodyPr>
+          <a:lstStyle/>
+          <a:p>
+            <a:pPr algn="r"/>
+            <a:r>
+              <a:rPr lang="en-US" dirty="0">
+                <a:ln w="0"/>
+                <a:solidFill>
+                  <a:schemeClr val="accent1"/>
+                </a:solidFill>
+                <a:effectLst>
+                  <a:outerShdw blurRad="38100" dist="25400" dir="5400000" algn="ctr" rotWithShape="0">
+                    <a:srgbClr val="6E747A">
+                      <a:alpha val="43000"/>
+                    </a:srgbClr>
+                  </a:outerShdw>
+                </a:effectLst>
+              </a:rPr>
+              <a:t>Preparedness Status</a:t>
+            </a:r>
+          </a:p>
+          <a:p>
+            <a:pPr algn="r"/>
+            <a:endParaRPr lang="en-US" dirty="0"/>
+          </a:p>
+          <a:p>
+            <a:pPr algn="r"/>
+            <a:r>
+              <a:rPr lang="en-US" dirty="0"/>
+              <a:t>Checklist complete:</a:t>
+            </a:r>
+            <a:br>
+              <a:rPr lang="en-US" dirty="0"/>
+            </a:br>
+            <a:endParaRPr lang="en-US" dirty="0"/>
+          </a:p>
+          <a:p>
+            <a:pPr algn="r"/>
+            <a:r>
+              <a:rPr lang="en-US" dirty="0"/>
+              <a:t>Radios:</a:t>
+            </a:r>
+          </a:p>
+          <a:p>
+            <a:pPr algn="r"/>
+            <a:endParaRPr lang="en-US" dirty="0"/>
+          </a:p>
+          <a:p>
+            <a:pPr algn="r"/>
+            <a:r>
+              <a:rPr lang="en-US" dirty="0"/>
+              <a:t>Water:</a:t>
+            </a:r>
+          </a:p>
+          <a:p>
+            <a:pPr algn="r"/>
+            <a:endParaRPr lang="en-US" dirty="0"/>
+          </a:p>
+          <a:p>
+            <a:pPr algn="r"/>
+            <a:r>
+              <a:rPr lang="en-US" dirty="0"/>
+              <a:t>Food:</a:t>
+            </a:r>
+          </a:p>
+        </p:txBody>
+      </p:sp>
+      <p:sp>
+        <p:nvSpPr>
+          <p:cNvPr id="11" name="Rectangle 10">
+            <a:extLst>
+              <a:ext uri="{FF2B5EF4-FFF2-40B4-BE49-F238E27FC236}">
+                <a16:creationId xmlns:a16="http://schemas.microsoft.com/office/drawing/2014/main" id="{100AE0B4-1FFF-AF8B-AA8E-043B6DDDAD8E}"/>
+              </a:ext>
+            </a:extLst>
+          </p:cNvPr>
+          <p:cNvSpPr/>
+          <p:nvPr/>
+        </p:nvSpPr>
+        <p:spPr>
+          <a:xfrm>
+            <a:off x="9365674" y="1939758"/>
+            <a:ext cx="277096" cy="295564"/>
+          </a:xfrm>
+          <a:prstGeom prst="rect">
+            <a:avLst/>
+          </a:prstGeom>
+        </p:spPr>
+        <p:style>
+          <a:lnRef idx="2">
+            <a:schemeClr val="accent6"/>
+          </a:lnRef>
+          <a:fillRef idx="1">
+            <a:schemeClr val="lt1"/>
+          </a:fillRef>
+          <a:effectRef idx="0">
+            <a:schemeClr val="accent6"/>
+          </a:effectRef>
+          <a:fontRef idx="minor">
+            <a:schemeClr val="dk1"/>
+          </a:fontRef>
+        </p:style>
+        <p:txBody>
+          <a:bodyPr rtlCol="0" anchor="ctr"/>
+          <a:lstStyle/>
+          <a:p>
+            <a:pPr algn="ctr"/>
+            <a:endParaRPr lang="en-US"/>
+          </a:p>
+        </p:txBody>
+      </p:sp>
+      <p:sp>
+        <p:nvSpPr>
+          <p:cNvPr id="12" name="Rectangle 11">
+            <a:extLst>
+              <a:ext uri="{FF2B5EF4-FFF2-40B4-BE49-F238E27FC236}">
+                <a16:creationId xmlns:a16="http://schemas.microsoft.com/office/drawing/2014/main" id="{6C8312F6-FCA2-B8CE-D4C2-73109419FBCC}"/>
+              </a:ext>
+            </a:extLst>
+          </p:cNvPr>
+          <p:cNvSpPr/>
+          <p:nvPr/>
+        </p:nvSpPr>
+        <p:spPr>
+          <a:xfrm>
+            <a:off x="9365674" y="2503970"/>
+            <a:ext cx="277096" cy="295564"/>
+          </a:xfrm>
+          <a:prstGeom prst="rect">
+            <a:avLst/>
+          </a:prstGeom>
+        </p:spPr>
+        <p:style>
+          <a:lnRef idx="2">
+            <a:schemeClr val="accent6"/>
+          </a:lnRef>
+          <a:fillRef idx="1">
+            <a:schemeClr val="lt1"/>
+          </a:fillRef>
+          <a:effectRef idx="0">
+            <a:schemeClr val="accent6"/>
+          </a:effectRef>
+          <a:fontRef idx="minor">
+            <a:schemeClr val="dk1"/>
+          </a:fontRef>
+        </p:style>
+        <p:txBody>
+          <a:bodyPr rtlCol="0" anchor="ctr"/>
+          <a:lstStyle/>
+          <a:p>
+            <a:pPr algn="ctr"/>
+            <a:endParaRPr lang="en-US"/>
+          </a:p>
+        </p:txBody>
+      </p:sp>
+      <p:sp>
+        <p:nvSpPr>
+          <p:cNvPr id="13" name="Rectangle 12">
+            <a:extLst>
+              <a:ext uri="{FF2B5EF4-FFF2-40B4-BE49-F238E27FC236}">
+                <a16:creationId xmlns:a16="http://schemas.microsoft.com/office/drawing/2014/main" id="{98FDC232-7968-D83E-38E9-94A23A8221A8}"/>
+              </a:ext>
+            </a:extLst>
+          </p:cNvPr>
+          <p:cNvSpPr/>
+          <p:nvPr/>
+        </p:nvSpPr>
+        <p:spPr>
+          <a:xfrm>
+            <a:off x="9365674" y="3068182"/>
+            <a:ext cx="277096" cy="295564"/>
+          </a:xfrm>
+          <a:prstGeom prst="rect">
+            <a:avLst/>
+          </a:prstGeom>
+        </p:spPr>
+        <p:style>
+          <a:lnRef idx="2">
+            <a:schemeClr val="accent6"/>
+          </a:lnRef>
+          <a:fillRef idx="1">
+            <a:schemeClr val="lt1"/>
+          </a:fillRef>
+          <a:effectRef idx="0">
+            <a:schemeClr val="accent6"/>
+          </a:effectRef>
+          <a:fontRef idx="minor">
+            <a:schemeClr val="dk1"/>
+          </a:fontRef>
+        </p:style>
+        <p:txBody>
+          <a:bodyPr rtlCol="0" anchor="ctr"/>
+          <a:lstStyle/>
+          <a:p>
+            <a:pPr algn="ctr"/>
+            <a:endParaRPr lang="en-US"/>
+          </a:p>
+        </p:txBody>
+      </p:sp>
+      <p:sp>
+        <p:nvSpPr>
+          <p:cNvPr id="14" name="Rectangle 13">
+            <a:extLst>
+              <a:ext uri="{FF2B5EF4-FFF2-40B4-BE49-F238E27FC236}">
+                <a16:creationId xmlns:a16="http://schemas.microsoft.com/office/drawing/2014/main" id="{018C7B0E-089A-D76C-CF41-C9B33FBF5FC8}"/>
+              </a:ext>
+            </a:extLst>
+          </p:cNvPr>
+          <p:cNvSpPr/>
+          <p:nvPr/>
+        </p:nvSpPr>
+        <p:spPr>
+          <a:xfrm>
+            <a:off x="9365674" y="3632394"/>
+            <a:ext cx="277096" cy="295564"/>
+          </a:xfrm>
+          <a:prstGeom prst="rect">
+            <a:avLst/>
+          </a:prstGeom>
+        </p:spPr>
+        <p:style>
+          <a:lnRef idx="2">
+            <a:schemeClr val="accent6"/>
+          </a:lnRef>
+          <a:fillRef idx="1">
+            <a:schemeClr val="lt1"/>
+          </a:fillRef>
+          <a:effectRef idx="0">
+            <a:schemeClr val="accent6"/>
+          </a:effectRef>
+          <a:fontRef idx="minor">
+            <a:schemeClr val="dk1"/>
+          </a:fontRef>
+        </p:style>
+        <p:txBody>
+          <a:bodyPr rtlCol="0" anchor="ctr"/>
+          <a:lstStyle/>
+          <a:p>
+            <a:pPr algn="ctr"/>
+            <a:endParaRPr lang="en-US"/>
+          </a:p>
+        </p:txBody>
+      </p:sp>
+      <p:sp>
+        <p:nvSpPr>
+          <p:cNvPr id="15" name="TextBox 14">
+            <a:extLst>
+              <a:ext uri="{FF2B5EF4-FFF2-40B4-BE49-F238E27FC236}">
+                <a16:creationId xmlns:a16="http://schemas.microsoft.com/office/drawing/2014/main" id="{EB2B7F1D-E3E7-2A33-03F1-856EA6C9662F}"/>
+              </a:ext>
+            </a:extLst>
+          </p:cNvPr>
+          <p:cNvSpPr txBox="1"/>
+          <p:nvPr/>
+        </p:nvSpPr>
+        <p:spPr>
+          <a:xfrm>
+            <a:off x="9325327" y="1902874"/>
+            <a:ext cx="357790" cy="369332"/>
+          </a:xfrm>
+          <a:prstGeom prst="rect">
+            <a:avLst/>
+          </a:prstGeom>
+          <a:noFill/>
+        </p:spPr>
+        <p:txBody>
+          <a:bodyPr wrap="none" rtlCol="0">
+            <a:spAutoFit/>
+          </a:bodyPr>
+          <a:lstStyle/>
+          <a:p>
+            <a:r>
+              <a:rPr lang="en-US" dirty="0"/>
+              <a:t>✓</a:t>
+            </a:r>
+          </a:p>
+        </p:txBody>
+      </p:sp>
+      <p:sp>
+        <p:nvSpPr>
+          <p:cNvPr id="16" name="TextBox 15">
+            <a:extLst>
+              <a:ext uri="{FF2B5EF4-FFF2-40B4-BE49-F238E27FC236}">
+                <a16:creationId xmlns:a16="http://schemas.microsoft.com/office/drawing/2014/main" id="{F2C1A5B1-5DD9-9690-D1D1-E29C59A96E91}"/>
+              </a:ext>
+            </a:extLst>
+          </p:cNvPr>
+          <p:cNvSpPr txBox="1"/>
+          <p:nvPr/>
+        </p:nvSpPr>
+        <p:spPr>
+          <a:xfrm>
+            <a:off x="9325327" y="2467086"/>
+            <a:ext cx="357790" cy="369332"/>
+          </a:xfrm>
+          <a:prstGeom prst="rect">
+            <a:avLst/>
+          </a:prstGeom>
+          <a:noFill/>
+        </p:spPr>
+        <p:txBody>
+          <a:bodyPr wrap="none" rtlCol="0">
+            <a:spAutoFit/>
+          </a:bodyPr>
+          <a:lstStyle/>
+          <a:p>
+            <a:r>
+              <a:rPr lang="en-US" dirty="0"/>
+              <a:t>✓</a:t>
+            </a:r>
+          </a:p>
+        </p:txBody>
+      </p:sp>
+      <p:sp>
+        <p:nvSpPr>
+          <p:cNvPr id="17" name="TextBox 16">
+            <a:extLst>
+              <a:ext uri="{FF2B5EF4-FFF2-40B4-BE49-F238E27FC236}">
+                <a16:creationId xmlns:a16="http://schemas.microsoft.com/office/drawing/2014/main" id="{32C790B2-B2E6-FA9D-1A14-5525938B1F83}"/>
+              </a:ext>
+            </a:extLst>
+          </p:cNvPr>
+          <p:cNvSpPr txBox="1"/>
+          <p:nvPr/>
+        </p:nvSpPr>
+        <p:spPr>
+          <a:xfrm>
+            <a:off x="9325327" y="3031298"/>
+            <a:ext cx="357790" cy="369332"/>
+          </a:xfrm>
+          <a:prstGeom prst="rect">
+            <a:avLst/>
+          </a:prstGeom>
+          <a:noFill/>
+        </p:spPr>
+        <p:txBody>
+          <a:bodyPr wrap="none" rtlCol="0">
+            <a:spAutoFit/>
+          </a:bodyPr>
+          <a:lstStyle/>
+          <a:p>
+            <a:r>
+              <a:rPr lang="en-US" dirty="0"/>
+              <a:t>✓</a:t>
+            </a:r>
+          </a:p>
+        </p:txBody>
+      </p:sp>
+      <p:sp>
+        <p:nvSpPr>
+          <p:cNvPr id="18" name="TextBox 17">
+            <a:extLst>
+              <a:ext uri="{FF2B5EF4-FFF2-40B4-BE49-F238E27FC236}">
+                <a16:creationId xmlns:a16="http://schemas.microsoft.com/office/drawing/2014/main" id="{CEE5F957-BBE0-ABD0-D6C2-6E540B3D9E81}"/>
+              </a:ext>
+            </a:extLst>
+          </p:cNvPr>
+          <p:cNvSpPr txBox="1"/>
+          <p:nvPr/>
+        </p:nvSpPr>
+        <p:spPr>
+          <a:xfrm>
+            <a:off x="9325327" y="3595510"/>
+            <a:ext cx="357790" cy="369332"/>
+          </a:xfrm>
+          <a:prstGeom prst="rect">
+            <a:avLst/>
+          </a:prstGeom>
+          <a:noFill/>
+        </p:spPr>
+        <p:txBody>
+          <a:bodyPr wrap="none" rtlCol="0">
+            <a:spAutoFit/>
+          </a:bodyPr>
+          <a:lstStyle/>
+          <a:p>
+            <a:r>
+              <a:rPr lang="en-US" dirty="0"/>
+              <a:t>✓</a:t>
+            </a:r>
+          </a:p>
+        </p:txBody>
+      </p:sp>
+      <p:sp>
+        <p:nvSpPr>
+          <p:cNvPr id="19" name="Rectangle: Rounded Corners 18">
+            <a:extLst>
+              <a:ext uri="{FF2B5EF4-FFF2-40B4-BE49-F238E27FC236}">
+                <a16:creationId xmlns:a16="http://schemas.microsoft.com/office/drawing/2014/main" id="{833A6192-FA7C-BDC7-19F8-0236C7C25D94}"/>
+              </a:ext>
+            </a:extLst>
+          </p:cNvPr>
+          <p:cNvSpPr/>
+          <p:nvPr/>
+        </p:nvSpPr>
+        <p:spPr>
+          <a:xfrm>
+            <a:off x="2658956" y="4308764"/>
+            <a:ext cx="2246657" cy="618836"/>
+          </a:xfrm>
+          <a:prstGeom prst="roundRect">
+            <a:avLst/>
+          </a:prstGeom>
+        </p:spPr>
+        <p:style>
+          <a:lnRef idx="2">
+            <a:schemeClr val="accent1">
+              <a:shade val="15000"/>
+            </a:schemeClr>
+          </a:lnRef>
+          <a:fillRef idx="1">
+            <a:schemeClr val="accent1"/>
+          </a:fillRef>
+          <a:effectRef idx="0">
+            <a:schemeClr val="accent1"/>
+          </a:effectRef>
+          <a:fontRef idx="minor">
+            <a:schemeClr val="lt1"/>
+          </a:fontRef>
+        </p:style>
+        <p:txBody>
+          <a:bodyPr rtlCol="0" anchor="ctr"/>
+          <a:lstStyle/>
+          <a:p>
+            <a:pPr algn="ctr"/>
+            <a:r>
+              <a:rPr lang="en-US" dirty="0"/>
+              <a:t>Add Occupant</a:t>
+            </a:r>
+          </a:p>
+        </p:txBody>
+      </p:sp>
+      <p:sp>
+        <p:nvSpPr>
+          <p:cNvPr id="20" name="TextBox 19">
+            <a:extLst>
+              <a:ext uri="{FF2B5EF4-FFF2-40B4-BE49-F238E27FC236}">
+                <a16:creationId xmlns:a16="http://schemas.microsoft.com/office/drawing/2014/main" id="{0397A9D1-AA4D-4049-A1BC-ED0B6AC0295E}"/>
+              </a:ext>
+            </a:extLst>
+          </p:cNvPr>
+          <p:cNvSpPr txBox="1"/>
+          <p:nvPr/>
+        </p:nvSpPr>
+        <p:spPr>
+          <a:xfrm>
+            <a:off x="2904928" y="4927600"/>
+            <a:ext cx="1631280" cy="369332"/>
+          </a:xfrm>
+          <a:prstGeom prst="rect">
+            <a:avLst/>
+          </a:prstGeom>
+          <a:noFill/>
+        </p:spPr>
+        <p:txBody>
+          <a:bodyPr wrap="none" rtlCol="0">
+            <a:spAutoFit/>
+          </a:bodyPr>
+          <a:lstStyle/>
+          <a:p>
+            <a:r>
+              <a:rPr lang="en-US" i="1" dirty="0">
+                <a:solidFill>
+                  <a:srgbClr val="FF0000"/>
+                </a:solidFill>
+              </a:rPr>
+              <a:t>Go to Screen 4</a:t>
+            </a:r>
+          </a:p>
+        </p:txBody>
+      </p:sp>
+    </p:spTree>
+    <p:extLst>
+      <p:ext uri="{BB962C8B-B14F-4D97-AF65-F5344CB8AC3E}">
+        <p14:creationId xmlns:p14="http://schemas.microsoft.com/office/powerpoint/2010/main" val="1524301946"/>
+      </p:ext>
+    </p:extLst>
+  </p:cSld>
+  <p:clrMapOvr>
+    <a:masterClrMapping/>
+  </p:clrMapOvr>
+</p:sld>
+</file>
+
+<file path=ppt/slides/slide6.xml><?xml version="1.0" encoding="utf-8"?>
+<p:sld xmlns:a="http://schemas.openxmlformats.org/drawingml/2006/main" xmlns:r="http://schemas.openxmlformats.org/officeDocument/2006/relationships" xmlns:p="http://schemas.openxmlformats.org/presentationml/2006/main">
+  <p:cSld>
+    <p:spTree>
+      <p:nvGrpSpPr>
+        <p:cNvPr id="1" name=""/>
+        <p:cNvGrpSpPr/>
+        <p:nvPr/>
+      </p:nvGrpSpPr>
+      <p:grpSpPr>
+        <a:xfrm>
+          <a:off x="0" y="0"/>
+          <a:ext cx="0" cy="0"/>
+          <a:chOff x="0" y="0"/>
+          <a:chExt cx="0" cy="0"/>
+        </a:xfrm>
+      </p:grpSpPr>
+      <p:sp>
+        <p:nvSpPr>
+          <p:cNvPr id="2" name="TextBox 1">
+            <a:extLst>
+              <a:ext uri="{FF2B5EF4-FFF2-40B4-BE49-F238E27FC236}">
+                <a16:creationId xmlns:a16="http://schemas.microsoft.com/office/drawing/2014/main" id="{EDBA322E-5A72-552B-24A2-467E9FBB20CF}"/>
+              </a:ext>
+            </a:extLst>
+          </p:cNvPr>
+          <p:cNvSpPr txBox="1"/>
+          <p:nvPr/>
+        </p:nvSpPr>
+        <p:spPr>
+          <a:xfrm>
+            <a:off x="0" y="0"/>
+            <a:ext cx="1050352" cy="369332"/>
+          </a:xfrm>
+          <a:prstGeom prst="rect">
+            <a:avLst/>
+          </a:prstGeom>
+          <a:noFill/>
+        </p:spPr>
+        <p:txBody>
+          <a:bodyPr wrap="none" rtlCol="0">
+            <a:spAutoFit/>
+          </a:bodyPr>
+          <a:lstStyle/>
+          <a:p>
+            <a:r>
+              <a:rPr lang="en-US" dirty="0"/>
+              <a:t>Screen 4</a:t>
+            </a:r>
+          </a:p>
+        </p:txBody>
+      </p:sp>
+      <p:grpSp>
+        <p:nvGrpSpPr>
+          <p:cNvPr id="3" name="Group 2">
+            <a:extLst>
+              <a:ext uri="{FF2B5EF4-FFF2-40B4-BE49-F238E27FC236}">
+                <a16:creationId xmlns:a16="http://schemas.microsoft.com/office/drawing/2014/main" id="{C5F67C24-05C5-6460-C65B-A9180FE3C6DA}"/>
+              </a:ext>
+            </a:extLst>
+          </p:cNvPr>
+          <p:cNvGrpSpPr/>
+          <p:nvPr/>
+        </p:nvGrpSpPr>
+        <p:grpSpPr>
+          <a:xfrm>
+            <a:off x="3230665" y="2136338"/>
+            <a:ext cx="4777263" cy="2585323"/>
+            <a:chOff x="487465" y="1431636"/>
+            <a:chExt cx="4777263" cy="2585323"/>
+          </a:xfrm>
+        </p:grpSpPr>
+        <p:sp>
+          <p:nvSpPr>
+            <p:cNvPr id="4" name="TextBox 3">
+              <a:extLst>
+                <a:ext uri="{FF2B5EF4-FFF2-40B4-BE49-F238E27FC236}">
+                  <a16:creationId xmlns:a16="http://schemas.microsoft.com/office/drawing/2014/main" id="{858F5849-90FC-9BCD-9536-F383BDEFC697}"/>
+                </a:ext>
+              </a:extLst>
+            </p:cNvPr>
+            <p:cNvSpPr txBox="1"/>
+            <p:nvPr/>
+          </p:nvSpPr>
+          <p:spPr>
+            <a:xfrm>
+              <a:off x="487465" y="1431636"/>
+              <a:ext cx="1686745" cy="2585323"/>
+            </a:xfrm>
+            <a:prstGeom prst="rect">
+              <a:avLst/>
+            </a:prstGeom>
+            <a:noFill/>
+          </p:spPr>
+          <p:txBody>
+            <a:bodyPr wrap="none" rtlCol="0">
+              <a:spAutoFit/>
+            </a:bodyPr>
+            <a:lstStyle/>
+            <a:p>
+              <a:pPr algn="r"/>
+              <a:r>
+                <a:rPr lang="en-US" dirty="0"/>
+                <a:t>First Name:</a:t>
+              </a:r>
+            </a:p>
+            <a:p>
+              <a:pPr algn="r"/>
+              <a:endParaRPr lang="en-US" dirty="0"/>
+            </a:p>
+            <a:p>
+              <a:pPr algn="r"/>
+              <a:r>
+                <a:rPr lang="en-US" dirty="0"/>
+                <a:t>Last Name:</a:t>
+              </a:r>
+            </a:p>
+            <a:p>
+              <a:pPr algn="r"/>
+              <a:endParaRPr lang="en-US" dirty="0"/>
+            </a:p>
+            <a:p>
+              <a:pPr algn="r"/>
+              <a:r>
+                <a:rPr lang="en-US" dirty="0"/>
+                <a:t>Home Phone:</a:t>
+              </a:r>
+            </a:p>
+            <a:p>
+              <a:pPr algn="r"/>
+              <a:endParaRPr lang="en-US" dirty="0"/>
+            </a:p>
+            <a:p>
+              <a:pPr algn="r"/>
+              <a:r>
+                <a:rPr lang="en-US" dirty="0"/>
+                <a:t>Mobile Phone:</a:t>
+              </a:r>
+            </a:p>
+            <a:p>
+              <a:pPr algn="r"/>
+              <a:endParaRPr lang="en-US" dirty="0"/>
+            </a:p>
+            <a:p>
+              <a:pPr algn="r"/>
+              <a:r>
+                <a:rPr lang="en-US" dirty="0"/>
+                <a:t>Special Needs:</a:t>
+              </a:r>
+            </a:p>
+          </p:txBody>
+        </p:sp>
+        <p:sp>
+          <p:nvSpPr>
+            <p:cNvPr id="5" name="Rectangle 4">
+              <a:extLst>
+                <a:ext uri="{FF2B5EF4-FFF2-40B4-BE49-F238E27FC236}">
+                  <a16:creationId xmlns:a16="http://schemas.microsoft.com/office/drawing/2014/main" id="{8B1E981C-2D02-B972-9FEB-EABDF613A5C4}"/>
+                </a:ext>
+              </a:extLst>
+            </p:cNvPr>
+            <p:cNvSpPr/>
+            <p:nvPr/>
+          </p:nvSpPr>
+          <p:spPr>
+            <a:xfrm>
+              <a:off x="2299855" y="1431636"/>
+              <a:ext cx="2964873" cy="295564"/>
+            </a:xfrm>
+            <a:prstGeom prst="rect">
+              <a:avLst/>
+            </a:prstGeom>
+          </p:spPr>
+          <p:style>
+            <a:lnRef idx="2">
+              <a:schemeClr val="accent1"/>
+            </a:lnRef>
+            <a:fillRef idx="1">
+              <a:schemeClr val="lt1"/>
+            </a:fillRef>
+            <a:effectRef idx="0">
+              <a:schemeClr val="accent1"/>
+            </a:effectRef>
+            <a:fontRef idx="minor">
+              <a:schemeClr val="dk1"/>
+            </a:fontRef>
+          </p:style>
+          <p:txBody>
+            <a:bodyPr rtlCol="0" anchor="ctr"/>
+            <a:lstStyle/>
+            <a:p>
+              <a:pPr algn="ctr"/>
+              <a:endParaRPr lang="en-US"/>
+            </a:p>
+          </p:txBody>
+        </p:sp>
+        <p:sp>
+          <p:nvSpPr>
+            <p:cNvPr id="6" name="Rectangle 5">
+              <a:extLst>
+                <a:ext uri="{FF2B5EF4-FFF2-40B4-BE49-F238E27FC236}">
+                  <a16:creationId xmlns:a16="http://schemas.microsoft.com/office/drawing/2014/main" id="{9A5B05A4-13B9-0EA5-F022-1DDB15D858F6}"/>
+                </a:ext>
+              </a:extLst>
+            </p:cNvPr>
+            <p:cNvSpPr/>
+            <p:nvPr/>
+          </p:nvSpPr>
+          <p:spPr>
+            <a:xfrm>
+              <a:off x="2299849" y="2022885"/>
+              <a:ext cx="2964873" cy="295564"/>
+            </a:xfrm>
+            <a:prstGeom prst="rect">
+              <a:avLst/>
+            </a:prstGeom>
+          </p:spPr>
+          <p:style>
+            <a:lnRef idx="2">
+              <a:schemeClr val="accent1"/>
+            </a:lnRef>
+            <a:fillRef idx="1">
+              <a:schemeClr val="lt1"/>
+            </a:fillRef>
+            <a:effectRef idx="0">
+              <a:schemeClr val="accent1"/>
+            </a:effectRef>
+            <a:fontRef idx="minor">
+              <a:schemeClr val="dk1"/>
+            </a:fontRef>
+          </p:style>
+          <p:txBody>
+            <a:bodyPr rtlCol="0" anchor="ctr"/>
+            <a:lstStyle/>
+            <a:p>
+              <a:pPr algn="ctr"/>
+              <a:endParaRPr lang="en-US"/>
+            </a:p>
+          </p:txBody>
+        </p:sp>
+        <p:sp>
+          <p:nvSpPr>
+            <p:cNvPr id="7" name="Rectangle 6">
+              <a:extLst>
+                <a:ext uri="{FF2B5EF4-FFF2-40B4-BE49-F238E27FC236}">
+                  <a16:creationId xmlns:a16="http://schemas.microsoft.com/office/drawing/2014/main" id="{2EF7C9A4-7054-4C9A-ABD9-290A3B12E760}"/>
+                </a:ext>
+              </a:extLst>
+            </p:cNvPr>
+            <p:cNvSpPr/>
+            <p:nvPr/>
+          </p:nvSpPr>
+          <p:spPr>
+            <a:xfrm>
+              <a:off x="2299850" y="2576515"/>
+              <a:ext cx="2964873" cy="295564"/>
+            </a:xfrm>
+            <a:prstGeom prst="rect">
+              <a:avLst/>
+            </a:prstGeom>
+          </p:spPr>
+          <p:style>
+            <a:lnRef idx="2">
+              <a:schemeClr val="accent1"/>
+            </a:lnRef>
+            <a:fillRef idx="1">
+              <a:schemeClr val="lt1"/>
+            </a:fillRef>
+            <a:effectRef idx="0">
+              <a:schemeClr val="accent1"/>
+            </a:effectRef>
+            <a:fontRef idx="minor">
+              <a:schemeClr val="dk1"/>
+            </a:fontRef>
+          </p:style>
+          <p:txBody>
+            <a:bodyPr rtlCol="0" anchor="ctr"/>
+            <a:lstStyle/>
+            <a:p>
+              <a:pPr algn="ctr"/>
+              <a:endParaRPr lang="en-US"/>
+            </a:p>
+          </p:txBody>
+        </p:sp>
+        <p:sp>
+          <p:nvSpPr>
+            <p:cNvPr id="8" name="Rectangle 7">
+              <a:extLst>
+                <a:ext uri="{FF2B5EF4-FFF2-40B4-BE49-F238E27FC236}">
+                  <a16:creationId xmlns:a16="http://schemas.microsoft.com/office/drawing/2014/main" id="{8AEB7C45-E47F-99C1-D34F-C199803A165E}"/>
+                </a:ext>
+              </a:extLst>
+            </p:cNvPr>
+            <p:cNvSpPr/>
+            <p:nvPr/>
+          </p:nvSpPr>
+          <p:spPr>
+            <a:xfrm>
+              <a:off x="2299851" y="3133436"/>
+              <a:ext cx="2964873" cy="295564"/>
+            </a:xfrm>
+            <a:prstGeom prst="rect">
+              <a:avLst/>
+            </a:prstGeom>
+          </p:spPr>
+          <p:style>
+            <a:lnRef idx="2">
+              <a:schemeClr val="accent1"/>
+            </a:lnRef>
+            <a:fillRef idx="1">
+              <a:schemeClr val="lt1"/>
+            </a:fillRef>
+            <a:effectRef idx="0">
+              <a:schemeClr val="accent1"/>
+            </a:effectRef>
+            <a:fontRef idx="minor">
+              <a:schemeClr val="dk1"/>
+            </a:fontRef>
+          </p:style>
+          <p:txBody>
+            <a:bodyPr rtlCol="0" anchor="ctr"/>
+            <a:lstStyle/>
+            <a:p>
+              <a:pPr algn="ctr"/>
+              <a:endParaRPr lang="en-US"/>
+            </a:p>
+          </p:txBody>
+        </p:sp>
+        <p:sp>
+          <p:nvSpPr>
+            <p:cNvPr id="9" name="Rectangle 8">
+              <a:extLst>
+                <a:ext uri="{FF2B5EF4-FFF2-40B4-BE49-F238E27FC236}">
+                  <a16:creationId xmlns:a16="http://schemas.microsoft.com/office/drawing/2014/main" id="{F867EF22-C647-F22F-7A82-D4EC66876E05}"/>
+                </a:ext>
+              </a:extLst>
+            </p:cNvPr>
+            <p:cNvSpPr/>
+            <p:nvPr/>
+          </p:nvSpPr>
+          <p:spPr>
+            <a:xfrm>
+              <a:off x="2299850" y="3648850"/>
+              <a:ext cx="2964873" cy="295564"/>
+            </a:xfrm>
+            <a:prstGeom prst="rect">
+              <a:avLst/>
+            </a:prstGeom>
+          </p:spPr>
+          <p:style>
+            <a:lnRef idx="2">
+              <a:schemeClr val="accent1"/>
+            </a:lnRef>
+            <a:fillRef idx="1">
+              <a:schemeClr val="lt1"/>
+            </a:fillRef>
+            <a:effectRef idx="0">
+              <a:schemeClr val="accent1"/>
+            </a:effectRef>
+            <a:fontRef idx="minor">
+              <a:schemeClr val="dk1"/>
+            </a:fontRef>
+          </p:style>
+          <p:txBody>
+            <a:bodyPr rtlCol="0" anchor="ctr"/>
+            <a:lstStyle/>
+            <a:p>
+              <a:pPr algn="ctr"/>
+              <a:endParaRPr lang="en-US"/>
+            </a:p>
+          </p:txBody>
+        </p:sp>
+      </p:grpSp>
+      <p:sp>
+        <p:nvSpPr>
+          <p:cNvPr id="10" name="TextBox 9">
+            <a:extLst>
+              <a:ext uri="{FF2B5EF4-FFF2-40B4-BE49-F238E27FC236}">
+                <a16:creationId xmlns:a16="http://schemas.microsoft.com/office/drawing/2014/main" id="{D2EC308B-021F-01CF-C237-5184F5273A81}"/>
+              </a:ext>
+            </a:extLst>
+          </p:cNvPr>
+          <p:cNvSpPr txBox="1"/>
+          <p:nvPr/>
+        </p:nvSpPr>
+        <p:spPr>
+          <a:xfrm>
+            <a:off x="4682888" y="730102"/>
+            <a:ext cx="2826223" cy="369332"/>
+          </a:xfrm>
+          <a:prstGeom prst="rect">
+            <a:avLst/>
+          </a:prstGeom>
+        </p:spPr>
+        <p:style>
+          <a:lnRef idx="2">
+            <a:schemeClr val="accent1"/>
+          </a:lnRef>
+          <a:fillRef idx="1">
+            <a:schemeClr val="lt1"/>
+          </a:fillRef>
+          <a:effectRef idx="0">
+            <a:schemeClr val="accent1"/>
+          </a:effectRef>
+          <a:fontRef idx="minor">
+            <a:schemeClr val="dk1"/>
+          </a:fontRef>
+        </p:style>
+        <p:txBody>
+          <a:bodyPr wrap="none" rtlCol="0">
+            <a:spAutoFit/>
+          </a:bodyPr>
+          <a:lstStyle/>
+          <a:p>
+            <a:r>
+              <a:rPr lang="en-US" dirty="0"/>
+              <a:t>Add Occupant Information</a:t>
             </a:r>
           </a:p>
         </p:txBody>
@@ -3750,6 +6894,123 @@
     <p:extLst>
       <p:ext uri="{BB962C8B-B14F-4D97-AF65-F5344CB8AC3E}">
         <p14:creationId xmlns:p14="http://schemas.microsoft.com/office/powerpoint/2010/main" val="2623854649"/>
+      </p:ext>
+    </p:extLst>
+  </p:cSld>
+  <p:clrMapOvr>
+    <a:masterClrMapping/>
+  </p:clrMapOvr>
+</p:sld>
+</file>
+
+<file path=ppt/slides/slide7.xml><?xml version="1.0" encoding="utf-8"?>
+<p:sld xmlns:a="http://schemas.openxmlformats.org/drawingml/2006/main" xmlns:r="http://schemas.openxmlformats.org/officeDocument/2006/relationships" xmlns:p="http://schemas.openxmlformats.org/presentationml/2006/main">
+  <p:cSld>
+    <p:spTree>
+      <p:nvGrpSpPr>
+        <p:cNvPr id="1" name=""/>
+        <p:cNvGrpSpPr/>
+        <p:nvPr/>
+      </p:nvGrpSpPr>
+      <p:grpSpPr>
+        <a:xfrm>
+          <a:off x="0" y="0"/>
+          <a:ext cx="0" cy="0"/>
+          <a:chOff x="0" y="0"/>
+          <a:chExt cx="0" cy="0"/>
+        </a:xfrm>
+      </p:grpSpPr>
+      <p:sp>
+        <p:nvSpPr>
+          <p:cNvPr id="2" name="TextBox 1">
+            <a:extLst>
+              <a:ext uri="{FF2B5EF4-FFF2-40B4-BE49-F238E27FC236}">
+                <a16:creationId xmlns:a16="http://schemas.microsoft.com/office/drawing/2014/main" id="{EDBA322E-5A72-552B-24A2-467E9FBB20CF}"/>
+              </a:ext>
+            </a:extLst>
+          </p:cNvPr>
+          <p:cNvSpPr txBox="1"/>
+          <p:nvPr/>
+        </p:nvSpPr>
+        <p:spPr>
+          <a:xfrm>
+            <a:off x="0" y="0"/>
+            <a:ext cx="1050352" cy="369332"/>
+          </a:xfrm>
+          <a:prstGeom prst="rect">
+            <a:avLst/>
+          </a:prstGeom>
+          <a:noFill/>
+        </p:spPr>
+        <p:txBody>
+          <a:bodyPr wrap="none" rtlCol="0">
+            <a:spAutoFit/>
+          </a:bodyPr>
+          <a:lstStyle/>
+          <a:p>
+            <a:r>
+              <a:rPr lang="en-US" dirty="0"/>
+              <a:t>Screen 5</a:t>
+            </a:r>
+          </a:p>
+        </p:txBody>
+      </p:sp>
+      <p:sp>
+        <p:nvSpPr>
+          <p:cNvPr id="3" name="Rectangle: Rounded Corners 2">
+            <a:extLst>
+              <a:ext uri="{FF2B5EF4-FFF2-40B4-BE49-F238E27FC236}">
+                <a16:creationId xmlns:a16="http://schemas.microsoft.com/office/drawing/2014/main" id="{2621C992-7194-B8FD-15BB-7E99193F1789}"/>
+              </a:ext>
+            </a:extLst>
+          </p:cNvPr>
+          <p:cNvSpPr/>
+          <p:nvPr/>
+        </p:nvSpPr>
+        <p:spPr>
+          <a:xfrm>
+            <a:off x="3823855" y="1914236"/>
+            <a:ext cx="4812145" cy="1514764"/>
+          </a:xfrm>
+          <a:prstGeom prst="roundRect">
+            <a:avLst/>
+          </a:prstGeom>
+          <a:solidFill>
+            <a:srgbClr val="FF0000"/>
+          </a:solidFill>
+        </p:spPr>
+        <p:style>
+          <a:lnRef idx="2">
+            <a:schemeClr val="accent1">
+              <a:shade val="15000"/>
+            </a:schemeClr>
+          </a:lnRef>
+          <a:fillRef idx="1">
+            <a:schemeClr val="accent1"/>
+          </a:fillRef>
+          <a:effectRef idx="0">
+            <a:schemeClr val="accent1"/>
+          </a:effectRef>
+          <a:fontRef idx="minor">
+            <a:schemeClr val="lt1"/>
+          </a:fontRef>
+        </p:style>
+        <p:txBody>
+          <a:bodyPr rtlCol="0" anchor="ctr"/>
+          <a:lstStyle/>
+          <a:p>
+            <a:pPr algn="ctr"/>
+            <a:r>
+              <a:rPr lang="en-US" dirty="0"/>
+              <a:t>Confirm Delete Residence</a:t>
+            </a:r>
+          </a:p>
+        </p:txBody>
+      </p:sp>
+    </p:spTree>
+    <p:extLst>
+      <p:ext uri="{BB962C8B-B14F-4D97-AF65-F5344CB8AC3E}">
+        <p14:creationId xmlns:p14="http://schemas.microsoft.com/office/powerpoint/2010/main" val="4232052506"/>
       </p:ext>
     </p:extLst>
   </p:cSld>

--- a/MSSA Project Demo.pptx
+++ b/MSSA Project Demo.pptx
@@ -12,6 +12,7 @@
     <p:sldId id="261" r:id="rId6"/>
     <p:sldId id="258" r:id="rId7"/>
     <p:sldId id="262" r:id="rId8"/>
+    <p:sldId id="263" r:id="rId9"/>
   </p:sldIdLst>
   <p:sldSz cx="12192000" cy="6858000"/>
   <p:notesSz cx="6858000" cy="9144000"/>
@@ -3723,7 +3724,7 @@
         </p:nvSpPr>
         <p:spPr>
           <a:xfrm>
-            <a:off x="2456873" y="2687781"/>
+            <a:off x="2456873" y="2953327"/>
             <a:ext cx="1948872" cy="951346"/>
           </a:xfrm>
           <a:prstGeom prst="roundRect">
@@ -3772,7 +3773,7 @@
         </p:nvSpPr>
         <p:spPr>
           <a:xfrm>
-            <a:off x="5121564" y="2687781"/>
+            <a:off x="5121564" y="2953327"/>
             <a:ext cx="1948872" cy="951346"/>
           </a:xfrm>
           <a:prstGeom prst="roundRect">
@@ -3802,7 +3803,7 @@
             <a:pPr algn="ctr"/>
             <a:r>
               <a:rPr lang="en-US" dirty="0"/>
-              <a:t>Find Residence Information</a:t>
+              <a:t>Find or Update Residence Information</a:t>
             </a:r>
           </a:p>
         </p:txBody>
@@ -3821,7 +3822,7 @@
         </p:nvSpPr>
         <p:spPr>
           <a:xfrm>
-            <a:off x="2628017" y="3708461"/>
+            <a:off x="2628017" y="3974007"/>
             <a:ext cx="1754711" cy="369332"/>
           </a:xfrm>
           <a:prstGeom prst="rect">
@@ -3860,7 +3861,7 @@
         </p:nvSpPr>
         <p:spPr>
           <a:xfrm>
-            <a:off x="5215438" y="3708461"/>
+            <a:off x="5215438" y="3974007"/>
             <a:ext cx="1761123" cy="369332"/>
           </a:xfrm>
           <a:prstGeom prst="rect">
@@ -3887,10 +3888,80 @@
       </p:sp>
       <p:sp>
         <p:nvSpPr>
-          <p:cNvPr id="11" name="Rectangle: Rounded Corners 10">
-            <a:extLst>
-              <a:ext uri="{FF2B5EF4-FFF2-40B4-BE49-F238E27FC236}">
-                <a16:creationId xmlns:a16="http://schemas.microsoft.com/office/drawing/2014/main" id="{E8E233D2-F8B3-42A7-6BC2-D611E8DBE87F}"/>
+          <p:cNvPr id="2" name="TextBox 1">
+            <a:extLst>
+              <a:ext uri="{FF2B5EF4-FFF2-40B4-BE49-F238E27FC236}">
+                <a16:creationId xmlns:a16="http://schemas.microsoft.com/office/drawing/2014/main" id="{29C53BB5-80D8-6A97-CDEC-322AE830117A}"/>
+              </a:ext>
+            </a:extLst>
+          </p:cNvPr>
+          <p:cNvSpPr txBox="1"/>
+          <p:nvPr/>
+        </p:nvSpPr>
+        <p:spPr>
+          <a:xfrm>
+            <a:off x="4935713" y="1985818"/>
+            <a:ext cx="2320572" cy="369332"/>
+          </a:xfrm>
+          <a:prstGeom prst="rect">
+            <a:avLst/>
+          </a:prstGeom>
+          <a:noFill/>
+        </p:spPr>
+        <p:txBody>
+          <a:bodyPr wrap="none" rtlCol="0">
+            <a:spAutoFit/>
+          </a:bodyPr>
+          <a:lstStyle/>
+          <a:p>
+            <a:r>
+              <a:rPr lang="en-US" dirty="0"/>
+              <a:t>Choose an operation:</a:t>
+            </a:r>
+          </a:p>
+        </p:txBody>
+      </p:sp>
+      <p:sp>
+        <p:nvSpPr>
+          <p:cNvPr id="3" name="TextBox 2">
+            <a:extLst>
+              <a:ext uri="{FF2B5EF4-FFF2-40B4-BE49-F238E27FC236}">
+                <a16:creationId xmlns:a16="http://schemas.microsoft.com/office/drawing/2014/main" id="{E4022CD3-51EF-7106-8719-F6E83E4CBAC9}"/>
+              </a:ext>
+            </a:extLst>
+          </p:cNvPr>
+          <p:cNvSpPr txBox="1"/>
+          <p:nvPr/>
+        </p:nvSpPr>
+        <p:spPr>
+          <a:xfrm>
+            <a:off x="0" y="0"/>
+            <a:ext cx="1050352" cy="369332"/>
+          </a:xfrm>
+          <a:prstGeom prst="rect">
+            <a:avLst/>
+          </a:prstGeom>
+          <a:noFill/>
+        </p:spPr>
+        <p:txBody>
+          <a:bodyPr wrap="none" rtlCol="0">
+            <a:spAutoFit/>
+          </a:bodyPr>
+          <a:lstStyle/>
+          <a:p>
+            <a:r>
+              <a:rPr lang="en-US" dirty="0"/>
+              <a:t>Screen 2</a:t>
+            </a:r>
+          </a:p>
+        </p:txBody>
+      </p:sp>
+      <p:sp>
+        <p:nvSpPr>
+          <p:cNvPr id="4" name="Rectangle: Rounded Corners 3">
+            <a:extLst>
+              <a:ext uri="{FF2B5EF4-FFF2-40B4-BE49-F238E27FC236}">
+                <a16:creationId xmlns:a16="http://schemas.microsoft.com/office/drawing/2014/main" id="{D8DA2C0C-AC59-5842-7786-AF02E46CABC7}"/>
               </a:ext>
             </a:extLst>
           </p:cNvPr>
@@ -3899,7 +3970,7 @@
         </p:nvSpPr>
         <p:spPr>
           <a:xfrm>
-            <a:off x="7786255" y="2678544"/>
+            <a:off x="7903146" y="2953327"/>
             <a:ext cx="1948872" cy="951346"/>
           </a:xfrm>
           <a:prstGeom prst="roundRect">
@@ -3929,17 +4000,17 @@
             <a:pPr algn="ctr"/>
             <a:r>
               <a:rPr lang="en-US" dirty="0"/>
-              <a:t>Update Residence Information</a:t>
-            </a:r>
-          </a:p>
-        </p:txBody>
-      </p:sp>
-      <p:sp>
-        <p:nvSpPr>
-          <p:cNvPr id="12" name="TextBox 11">
-            <a:extLst>
-              <a:ext uri="{FF2B5EF4-FFF2-40B4-BE49-F238E27FC236}">
-                <a16:creationId xmlns:a16="http://schemas.microsoft.com/office/drawing/2014/main" id="{E82F6CD8-C718-25BD-980D-E0038EB674F9}"/>
+              <a:t>Add System User</a:t>
+            </a:r>
+          </a:p>
+        </p:txBody>
+      </p:sp>
+      <p:sp>
+        <p:nvSpPr>
+          <p:cNvPr id="5" name="TextBox 4">
+            <a:extLst>
+              <a:ext uri="{FF2B5EF4-FFF2-40B4-BE49-F238E27FC236}">
+                <a16:creationId xmlns:a16="http://schemas.microsoft.com/office/drawing/2014/main" id="{5D17F6DF-E3CB-816C-0CA3-C0382F1F2BBC}"/>
               </a:ext>
             </a:extLst>
           </p:cNvPr>
@@ -3948,8 +4019,8 @@
         </p:nvSpPr>
         <p:spPr>
           <a:xfrm>
-            <a:off x="7880129" y="3708461"/>
-            <a:ext cx="1753109" cy="369332"/>
+            <a:off x="7997020" y="3974007"/>
+            <a:ext cx="1631280" cy="369332"/>
           </a:xfrm>
           <a:prstGeom prst="rect">
             <a:avLst/>
@@ -3968,77 +4039,7 @@
                   <a:srgbClr val="FF0000"/>
                 </a:solidFill>
               </a:rPr>
-              <a:t>Go to Screen 3c</a:t>
-            </a:r>
-          </a:p>
-        </p:txBody>
-      </p:sp>
-      <p:sp>
-        <p:nvSpPr>
-          <p:cNvPr id="2" name="TextBox 1">
-            <a:extLst>
-              <a:ext uri="{FF2B5EF4-FFF2-40B4-BE49-F238E27FC236}">
-                <a16:creationId xmlns:a16="http://schemas.microsoft.com/office/drawing/2014/main" id="{29C53BB5-80D8-6A97-CDEC-322AE830117A}"/>
-              </a:ext>
-            </a:extLst>
-          </p:cNvPr>
-          <p:cNvSpPr txBox="1"/>
-          <p:nvPr/>
-        </p:nvSpPr>
-        <p:spPr>
-          <a:xfrm>
-            <a:off x="4935713" y="1985818"/>
-            <a:ext cx="2320572" cy="369332"/>
-          </a:xfrm>
-          <a:prstGeom prst="rect">
-            <a:avLst/>
-          </a:prstGeom>
-          <a:noFill/>
-        </p:spPr>
-        <p:txBody>
-          <a:bodyPr wrap="none" rtlCol="0">
-            <a:spAutoFit/>
-          </a:bodyPr>
-          <a:lstStyle/>
-          <a:p>
-            <a:r>
-              <a:rPr lang="en-US" dirty="0"/>
-              <a:t>Choose an operation:</a:t>
-            </a:r>
-          </a:p>
-        </p:txBody>
-      </p:sp>
-      <p:sp>
-        <p:nvSpPr>
-          <p:cNvPr id="3" name="TextBox 2">
-            <a:extLst>
-              <a:ext uri="{FF2B5EF4-FFF2-40B4-BE49-F238E27FC236}">
-                <a16:creationId xmlns:a16="http://schemas.microsoft.com/office/drawing/2014/main" id="{E4022CD3-51EF-7106-8719-F6E83E4CBAC9}"/>
-              </a:ext>
-            </a:extLst>
-          </p:cNvPr>
-          <p:cNvSpPr txBox="1"/>
-          <p:nvPr/>
-        </p:nvSpPr>
-        <p:spPr>
-          <a:xfrm>
-            <a:off x="0" y="0"/>
-            <a:ext cx="1050352" cy="369332"/>
-          </a:xfrm>
-          <a:prstGeom prst="rect">
-            <a:avLst/>
-          </a:prstGeom>
-          <a:noFill/>
-        </p:spPr>
-        <p:txBody>
-          <a:bodyPr wrap="none" rtlCol="0">
-            <a:spAutoFit/>
-          </a:bodyPr>
-          <a:lstStyle/>
-          <a:p>
-            <a:r>
-              <a:rPr lang="en-US" dirty="0"/>
-              <a:t>Screen 2</a:t>
+              <a:t>Go to Screen 6</a:t>
             </a:r>
           </a:p>
         </p:txBody>
@@ -4088,7 +4089,7 @@
         <p:spPr>
           <a:xfrm>
             <a:off x="0" y="0"/>
-            <a:ext cx="1180195" cy="369332"/>
+            <a:ext cx="1173783" cy="369332"/>
           </a:xfrm>
           <a:prstGeom prst="rect">
             <a:avLst/>
@@ -4103,7 +4104,7 @@
           <a:p>
             <a:r>
               <a:rPr lang="en-US" dirty="0"/>
-              <a:t>Screen 3b</a:t>
+              <a:t>Screen 3a</a:t>
             </a:r>
           </a:p>
         </p:txBody>
@@ -4905,7 +4906,7 @@
         <p:spPr>
           <a:xfrm>
             <a:off x="0" y="0"/>
-            <a:ext cx="1173783" cy="369332"/>
+            <a:ext cx="1180195" cy="369332"/>
           </a:xfrm>
           <a:prstGeom prst="rect">
             <a:avLst/>
@@ -4920,7 +4921,7 @@
           <a:p>
             <a:r>
               <a:rPr lang="en-US" dirty="0"/>
-              <a:t>Screen 3a</a:t>
+              <a:t>Screen 3b</a:t>
             </a:r>
           </a:p>
         </p:txBody>
@@ -5456,7 +5457,7 @@
         <p:spPr>
           <a:xfrm>
             <a:off x="7852681" y="3486296"/>
-            <a:ext cx="1631280" cy="369332"/>
+            <a:ext cx="1754711" cy="369332"/>
           </a:xfrm>
           <a:prstGeom prst="rect">
             <a:avLst/>
@@ -5475,7 +5476,95 @@
                   <a:srgbClr val="FF0000"/>
                 </a:solidFill>
               </a:rPr>
-              <a:t>Go to Screen 4</a:t>
+              <a:t>Go to Screen 4a</a:t>
+            </a:r>
+          </a:p>
+        </p:txBody>
+      </p:sp>
+      <p:sp>
+        <p:nvSpPr>
+          <p:cNvPr id="25" name="Rectangle: Rounded Corners 24">
+            <a:extLst>
+              <a:ext uri="{FF2B5EF4-FFF2-40B4-BE49-F238E27FC236}">
+                <a16:creationId xmlns:a16="http://schemas.microsoft.com/office/drawing/2014/main" id="{A4C10BED-028A-6BC8-92B6-5A0A1188F1BF}"/>
+              </a:ext>
+            </a:extLst>
+          </p:cNvPr>
+          <p:cNvSpPr/>
+          <p:nvPr/>
+        </p:nvSpPr>
+        <p:spPr>
+          <a:xfrm>
+            <a:off x="7544993" y="4303284"/>
+            <a:ext cx="2246657" cy="618836"/>
+          </a:xfrm>
+          <a:prstGeom prst="roundRect">
+            <a:avLst/>
+          </a:prstGeom>
+        </p:spPr>
+        <p:style>
+          <a:lnRef idx="2">
+            <a:schemeClr val="accent1">
+              <a:shade val="15000"/>
+            </a:schemeClr>
+          </a:lnRef>
+          <a:fillRef idx="1">
+            <a:schemeClr val="accent1"/>
+          </a:fillRef>
+          <a:effectRef idx="0">
+            <a:schemeClr val="accent1"/>
+          </a:effectRef>
+          <a:fontRef idx="minor">
+            <a:schemeClr val="lt1"/>
+          </a:fontRef>
+        </p:style>
+        <p:txBody>
+          <a:bodyPr rtlCol="0" anchor="ctr"/>
+          <a:lstStyle/>
+          <a:p>
+            <a:pPr algn="ctr"/>
+            <a:r>
+              <a:rPr lang="en-US" dirty="0"/>
+              <a:t>Update Residence</a:t>
+            </a:r>
+          </a:p>
+        </p:txBody>
+      </p:sp>
+      <p:sp>
+        <p:nvSpPr>
+          <p:cNvPr id="26" name="TextBox 25">
+            <a:extLst>
+              <a:ext uri="{FF2B5EF4-FFF2-40B4-BE49-F238E27FC236}">
+                <a16:creationId xmlns:a16="http://schemas.microsoft.com/office/drawing/2014/main" id="{06569E89-3998-2578-E05E-14798A7E31A0}"/>
+              </a:ext>
+            </a:extLst>
+          </p:cNvPr>
+          <p:cNvSpPr txBox="1"/>
+          <p:nvPr/>
+        </p:nvSpPr>
+        <p:spPr>
+          <a:xfrm>
+            <a:off x="7852681" y="4922120"/>
+            <a:ext cx="1754711" cy="369332"/>
+          </a:xfrm>
+          <a:prstGeom prst="rect">
+            <a:avLst/>
+          </a:prstGeom>
+          <a:noFill/>
+        </p:spPr>
+        <p:txBody>
+          <a:bodyPr wrap="none" rtlCol="0">
+            <a:spAutoFit/>
+          </a:bodyPr>
+          <a:lstStyle/>
+          <a:p>
+            <a:r>
+              <a:rPr lang="en-US" i="1" dirty="0">
+                <a:solidFill>
+                  <a:srgbClr val="FF0000"/>
+                </a:solidFill>
+              </a:rPr>
+              <a:t>Go to Screen 4a</a:t>
             </a:r>
           </a:p>
         </p:txBody>
@@ -5525,7 +5614,7 @@
         <p:spPr>
           <a:xfrm>
             <a:off x="0" y="0"/>
-            <a:ext cx="1172180" cy="369332"/>
+            <a:ext cx="1173783" cy="369332"/>
           </a:xfrm>
           <a:prstGeom prst="rect">
             <a:avLst/>
@@ -5540,7 +5629,7 @@
           <a:p>
             <a:r>
               <a:rPr lang="en-US" dirty="0"/>
-              <a:t>Screen 3c</a:t>
+              <a:t>Screen 4a</a:t>
             </a:r>
           </a:p>
         </p:txBody>
@@ -6501,7 +6590,7 @@
         <p:spPr>
           <a:xfrm>
             <a:off x="0" y="0"/>
-            <a:ext cx="1050352" cy="369332"/>
+            <a:ext cx="1180195" cy="369332"/>
           </a:xfrm>
           <a:prstGeom prst="rect">
             <a:avLst/>
@@ -6516,7 +6605,7 @@
           <a:p>
             <a:r>
               <a:rPr lang="en-US" dirty="0"/>
-              <a:t>Screen 4</a:t>
+              <a:t>Screen 4b</a:t>
             </a:r>
           </a:p>
         </p:txBody>
@@ -7011,6 +7100,106 @@
     <p:extLst>
       <p:ext uri="{BB962C8B-B14F-4D97-AF65-F5344CB8AC3E}">
         <p14:creationId xmlns:p14="http://schemas.microsoft.com/office/powerpoint/2010/main" val="4232052506"/>
+      </p:ext>
+    </p:extLst>
+  </p:cSld>
+  <p:clrMapOvr>
+    <a:masterClrMapping/>
+  </p:clrMapOvr>
+</p:sld>
+</file>
+
+<file path=ppt/slides/slide8.xml><?xml version="1.0" encoding="utf-8"?>
+<p:sld xmlns:a="http://schemas.openxmlformats.org/drawingml/2006/main" xmlns:r="http://schemas.openxmlformats.org/officeDocument/2006/relationships" xmlns:p="http://schemas.openxmlformats.org/presentationml/2006/main">
+  <p:cSld>
+    <p:spTree>
+      <p:nvGrpSpPr>
+        <p:cNvPr id="1" name=""/>
+        <p:cNvGrpSpPr/>
+        <p:nvPr/>
+      </p:nvGrpSpPr>
+      <p:grpSpPr>
+        <a:xfrm>
+          <a:off x="0" y="0"/>
+          <a:ext cx="0" cy="0"/>
+          <a:chOff x="0" y="0"/>
+          <a:chExt cx="0" cy="0"/>
+        </a:xfrm>
+      </p:grpSpPr>
+      <p:sp>
+        <p:nvSpPr>
+          <p:cNvPr id="2" name="TextBox 1">
+            <a:extLst>
+              <a:ext uri="{FF2B5EF4-FFF2-40B4-BE49-F238E27FC236}">
+                <a16:creationId xmlns:a16="http://schemas.microsoft.com/office/drawing/2014/main" id="{EDBA322E-5A72-552B-24A2-467E9FBB20CF}"/>
+              </a:ext>
+            </a:extLst>
+          </p:cNvPr>
+          <p:cNvSpPr txBox="1"/>
+          <p:nvPr/>
+        </p:nvSpPr>
+        <p:spPr>
+          <a:xfrm>
+            <a:off x="0" y="0"/>
+            <a:ext cx="1050352" cy="369332"/>
+          </a:xfrm>
+          <a:prstGeom prst="rect">
+            <a:avLst/>
+          </a:prstGeom>
+          <a:noFill/>
+        </p:spPr>
+        <p:txBody>
+          <a:bodyPr wrap="none" rtlCol="0">
+            <a:spAutoFit/>
+          </a:bodyPr>
+          <a:lstStyle/>
+          <a:p>
+            <a:r>
+              <a:rPr lang="en-US" dirty="0"/>
+              <a:t>Screen 5</a:t>
+            </a:r>
+          </a:p>
+        </p:txBody>
+      </p:sp>
+      <p:sp>
+        <p:nvSpPr>
+          <p:cNvPr id="4" name="TextBox 3">
+            <a:extLst>
+              <a:ext uri="{FF2B5EF4-FFF2-40B4-BE49-F238E27FC236}">
+                <a16:creationId xmlns:a16="http://schemas.microsoft.com/office/drawing/2014/main" id="{85E24D1F-AD9F-4EA9-EBB1-762800C7A1CD}"/>
+              </a:ext>
+            </a:extLst>
+          </p:cNvPr>
+          <p:cNvSpPr txBox="1"/>
+          <p:nvPr/>
+        </p:nvSpPr>
+        <p:spPr>
+          <a:xfrm>
+            <a:off x="3927682" y="2900217"/>
+            <a:ext cx="4336636" cy="369332"/>
+          </a:xfrm>
+          <a:prstGeom prst="rect">
+            <a:avLst/>
+          </a:prstGeom>
+          <a:noFill/>
+        </p:spPr>
+        <p:txBody>
+          <a:bodyPr wrap="none" rtlCol="0">
+            <a:spAutoFit/>
+          </a:bodyPr>
+          <a:lstStyle/>
+          <a:p>
+            <a:r>
+              <a:rPr lang="en-US" dirty="0"/>
+              <a:t>Note: Implement Add System User screen</a:t>
+            </a:r>
+          </a:p>
+        </p:txBody>
+      </p:sp>
+    </p:spTree>
+    <p:extLst>
+      <p:ext uri="{BB962C8B-B14F-4D97-AF65-F5344CB8AC3E}">
+        <p14:creationId xmlns:p14="http://schemas.microsoft.com/office/powerpoint/2010/main" val="2913281123"/>
       </p:ext>
     </p:extLst>
   </p:cSld>
